--- a/18. Descrição dos Processos de Negócio.pptx
+++ b/18. Descrição dos Processos de Negócio.pptx
@@ -9,11 +9,11 @@
     <p:sldId id="267" r:id="rId3"/>
     <p:sldId id="268" r:id="rId4"/>
     <p:sldId id="269" r:id="rId5"/>
-    <p:sldId id="270" r:id="rId6"/>
-    <p:sldId id="271" r:id="rId7"/>
-    <p:sldId id="272" r:id="rId8"/>
-    <p:sldId id="273" r:id="rId9"/>
-    <p:sldId id="274" r:id="rId10"/>
+    <p:sldId id="273" r:id="rId6"/>
+    <p:sldId id="272" r:id="rId7"/>
+    <p:sldId id="271" r:id="rId8"/>
+    <p:sldId id="274" r:id="rId9"/>
+    <p:sldId id="270" r:id="rId10"/>
     <p:sldId id="257" r:id="rId11"/>
     <p:sldId id="275" r:id="rId12"/>
     <p:sldId id="276" r:id="rId13"/>
@@ -298,7 +298,7 @@
           <a:p>
             <a:fld id="{0D83A044-7B26-410D-94D2-393BD32CE317}" type="datetimeFigureOut">
               <a:rPr lang="en-US" smtClean="0"/>
-              <a:t>5/1/2020</a:t>
+              <a:t>5/9/2020</a:t>
             </a:fld>
             <a:endParaRPr lang="en-US"/>
           </a:p>
@@ -496,7 +496,7 @@
           <a:p>
             <a:fld id="{0D83A044-7B26-410D-94D2-393BD32CE317}" type="datetimeFigureOut">
               <a:rPr lang="en-US" smtClean="0"/>
-              <a:t>5/1/2020</a:t>
+              <a:t>5/9/2020</a:t>
             </a:fld>
             <a:endParaRPr lang="en-US"/>
           </a:p>
@@ -704,7 +704,7 @@
           <a:p>
             <a:fld id="{0D83A044-7B26-410D-94D2-393BD32CE317}" type="datetimeFigureOut">
               <a:rPr lang="en-US" smtClean="0"/>
-              <a:t>5/1/2020</a:t>
+              <a:t>5/9/2020</a:t>
             </a:fld>
             <a:endParaRPr lang="en-US"/>
           </a:p>
@@ -902,7 +902,7 @@
           <a:p>
             <a:fld id="{0D83A044-7B26-410D-94D2-393BD32CE317}" type="datetimeFigureOut">
               <a:rPr lang="en-US" smtClean="0"/>
-              <a:t>5/1/2020</a:t>
+              <a:t>5/9/2020</a:t>
             </a:fld>
             <a:endParaRPr lang="en-US"/>
           </a:p>
@@ -1177,7 +1177,7 @@
           <a:p>
             <a:fld id="{0D83A044-7B26-410D-94D2-393BD32CE317}" type="datetimeFigureOut">
               <a:rPr lang="en-US" smtClean="0"/>
-              <a:t>5/1/2020</a:t>
+              <a:t>5/9/2020</a:t>
             </a:fld>
             <a:endParaRPr lang="en-US"/>
           </a:p>
@@ -1442,7 +1442,7 @@
           <a:p>
             <a:fld id="{0D83A044-7B26-410D-94D2-393BD32CE317}" type="datetimeFigureOut">
               <a:rPr lang="en-US" smtClean="0"/>
-              <a:t>5/1/2020</a:t>
+              <a:t>5/9/2020</a:t>
             </a:fld>
             <a:endParaRPr lang="en-US"/>
           </a:p>
@@ -1854,7 +1854,7 @@
           <a:p>
             <a:fld id="{0D83A044-7B26-410D-94D2-393BD32CE317}" type="datetimeFigureOut">
               <a:rPr lang="en-US" smtClean="0"/>
-              <a:t>5/1/2020</a:t>
+              <a:t>5/9/2020</a:t>
             </a:fld>
             <a:endParaRPr lang="en-US"/>
           </a:p>
@@ -1995,7 +1995,7 @@
           <a:p>
             <a:fld id="{0D83A044-7B26-410D-94D2-393BD32CE317}" type="datetimeFigureOut">
               <a:rPr lang="en-US" smtClean="0"/>
-              <a:t>5/1/2020</a:t>
+              <a:t>5/9/2020</a:t>
             </a:fld>
             <a:endParaRPr lang="en-US"/>
           </a:p>
@@ -2108,7 +2108,7 @@
           <a:p>
             <a:fld id="{0D83A044-7B26-410D-94D2-393BD32CE317}" type="datetimeFigureOut">
               <a:rPr lang="en-US" smtClean="0"/>
-              <a:t>5/1/2020</a:t>
+              <a:t>5/9/2020</a:t>
             </a:fld>
             <a:endParaRPr lang="en-US"/>
           </a:p>
@@ -2419,7 +2419,7 @@
           <a:p>
             <a:fld id="{0D83A044-7B26-410D-94D2-393BD32CE317}" type="datetimeFigureOut">
               <a:rPr lang="en-US" smtClean="0"/>
-              <a:t>5/1/2020</a:t>
+              <a:t>5/9/2020</a:t>
             </a:fld>
             <a:endParaRPr lang="en-US"/>
           </a:p>
@@ -2707,7 +2707,7 @@
           <a:p>
             <a:fld id="{0D83A044-7B26-410D-94D2-393BD32CE317}" type="datetimeFigureOut">
               <a:rPr lang="en-US" smtClean="0"/>
-              <a:t>5/1/2020</a:t>
+              <a:t>5/9/2020</a:t>
             </a:fld>
             <a:endParaRPr lang="en-US"/>
           </a:p>
@@ -2948,7 +2948,7 @@
           <a:p>
             <a:fld id="{0D83A044-7B26-410D-94D2-393BD32CE317}" type="datetimeFigureOut">
               <a:rPr lang="en-US" smtClean="0"/>
-              <a:t>5/1/2020</a:t>
+              <a:t>5/9/2020</a:t>
             </a:fld>
             <a:endParaRPr lang="en-US"/>
           </a:p>
@@ -3379,8 +3379,8 @@
         </p:nvSpPr>
         <p:spPr>
           <a:xfrm>
-            <a:off x="6250360" y="3304342"/>
-            <a:ext cx="5488367" cy="2308324"/>
+            <a:off x="6451696" y="3765737"/>
+            <a:ext cx="5488367" cy="2800767"/>
           </a:xfrm>
           <a:prstGeom prst="rect">
             <a:avLst/>
@@ -3403,7 +3403,7 @@
           <a:p>
             <a:r>
               <a:rPr lang="pt-BR" sz="1600" b="1" dirty="0"/>
-              <a:t>Receber solicitação de orçamento</a:t>
+              <a:t>Receber solicitação de orçamento e gerar projeto</a:t>
             </a:r>
           </a:p>
           <a:p>
@@ -3433,7 +3433,7 @@
             </a:r>
             <a:r>
               <a:rPr lang="pt-BR" sz="1600" dirty="0"/>
-              <a:t>Auxiliar administrativo</a:t>
+              <a:t>Administrador</a:t>
             </a:r>
           </a:p>
           <a:p>
@@ -3446,7 +3446,17 @@
             </a:pPr>
             <a:r>
               <a:rPr lang="pt-BR" sz="1600" dirty="0"/>
-              <a:t>Obtém do cliente todos os dados necessários para a análise do orçamento estão presentes no pedido.</a:t>
+              <a:t>Obtém do cliente todos os dados cadastrais para abrir uma ficha de projeto.</a:t>
+            </a:r>
+          </a:p>
+          <a:p>
+            <a:pPr marL="742950" lvl="1" indent="-285750">
+              <a:buFont typeface="Arial" panose="020B0604020202020204" pitchFamily="34" charset="0"/>
+              <a:buChar char="•"/>
+            </a:pPr>
+            <a:r>
+              <a:rPr lang="pt-BR" sz="1600" dirty="0"/>
+              <a:t>Se faltarem dados, solicita ao cliente que os encaminhe.</a:t>
             </a:r>
           </a:p>
           <a:p>
@@ -3456,7 +3466,7 @@
             </a:pPr>
             <a:r>
               <a:rPr lang="pt-BR" sz="1600" dirty="0"/>
-              <a:t>Guarda a informação da solicitação em Orçamento.</a:t>
+              <a:t>Guarda as informações obtidas da solicitação em Projeto.</a:t>
             </a:r>
           </a:p>
           <a:p>
@@ -3466,10 +3476,10 @@
       </p:sp>
       <p:pic>
         <p:nvPicPr>
-          <p:cNvPr id="2" name="Picture 1">
-            <a:extLst>
-              <a:ext uri="{FF2B5EF4-FFF2-40B4-BE49-F238E27FC236}">
-                <a16:creationId xmlns:a16="http://schemas.microsoft.com/office/drawing/2014/main" id="{C1A83565-E569-485B-ADAF-C32B0F35EDF9}"/>
+          <p:cNvPr id="4" name="Picture 3">
+            <a:extLst>
+              <a:ext uri="{FF2B5EF4-FFF2-40B4-BE49-F238E27FC236}">
+                <a16:creationId xmlns:a16="http://schemas.microsoft.com/office/drawing/2014/main" id="{3085E404-30B6-4205-B834-B7E6B15589B4}"/>
               </a:ext>
             </a:extLst>
           </p:cNvPr>
@@ -3486,8 +3496,8 @@
         </p:blipFill>
         <p:spPr>
           <a:xfrm>
-            <a:off x="190581" y="682750"/>
-            <a:ext cx="5905419" cy="5709659"/>
+            <a:off x="58723" y="112499"/>
+            <a:ext cx="6124793" cy="6633002"/>
           </a:xfrm>
           <a:prstGeom prst="rect">
             <a:avLst/>
@@ -3496,10 +3506,10 @@
       </p:pic>
       <p:pic>
         <p:nvPicPr>
-          <p:cNvPr id="6" name="Graphic 5" descr="Target">
-            <a:extLst>
-              <a:ext uri="{FF2B5EF4-FFF2-40B4-BE49-F238E27FC236}">
-                <a16:creationId xmlns:a16="http://schemas.microsoft.com/office/drawing/2014/main" id="{53AD6DDA-DBBE-4300-AA63-37D49C606A90}"/>
+          <p:cNvPr id="8" name="Graphic 7" descr="Target">
+            <a:extLst>
+              <a:ext uri="{FF2B5EF4-FFF2-40B4-BE49-F238E27FC236}">
+                <a16:creationId xmlns:a16="http://schemas.microsoft.com/office/drawing/2014/main" id="{E1D0CD88-7E71-434A-BB4E-4C6EAC84331B}"/>
               </a:ext>
             </a:extLst>
           </p:cNvPr>
@@ -3525,7 +3535,7 @@
         </p:blipFill>
         <p:spPr>
           <a:xfrm>
-            <a:off x="1311085" y="2505872"/>
+            <a:off x="1386586" y="2153534"/>
             <a:ext cx="457200" cy="457200"/>
           </a:xfrm>
           <a:prstGeom prst="rect">
@@ -3577,8 +3587,8 @@
         </p:nvSpPr>
         <p:spPr>
           <a:xfrm>
-            <a:off x="6250360" y="3304342"/>
-            <a:ext cx="5488367" cy="1815882"/>
+            <a:off x="6275527" y="3908350"/>
+            <a:ext cx="5488367" cy="2554545"/>
           </a:xfrm>
           <a:prstGeom prst="rect">
             <a:avLst/>
@@ -3631,7 +3641,7 @@
             </a:r>
             <a:r>
               <a:rPr lang="pt-BR" sz="1600" dirty="0"/>
-              <a:t>Auxiliar administrativo</a:t>
+              <a:t>Administrador</a:t>
             </a:r>
           </a:p>
           <a:p>
@@ -3644,20 +3654,37 @@
             </a:pPr>
             <a:r>
               <a:rPr lang="pt-BR" sz="1600" dirty="0"/>
-              <a:t>Recebe a autorização de serviço e armazena em Orçamento.</a:t>
-            </a:r>
-          </a:p>
-          <a:p>
-            <a:endParaRPr lang="en-US" sz="1600" dirty="0"/>
+              <a:t>Recebe a autorização de início de serviço</a:t>
+            </a:r>
+          </a:p>
+          <a:p>
+            <a:pPr marL="285750" indent="-285750">
+              <a:buFont typeface="Arial" panose="020B0604020202020204" pitchFamily="34" charset="0"/>
+              <a:buChar char="•"/>
+            </a:pPr>
+            <a:r>
+              <a:rPr lang="pt-BR" sz="1600" dirty="0"/>
+              <a:t>Atualiza status do projeto como autorizado para início do serviço</a:t>
+            </a:r>
+          </a:p>
+          <a:p>
+            <a:pPr marL="285750" indent="-285750">
+              <a:buFont typeface="Arial" panose="020B0604020202020204" pitchFamily="34" charset="0"/>
+              <a:buChar char="•"/>
+            </a:pPr>
+            <a:r>
+              <a:rPr lang="pt-BR" sz="1600" dirty="0"/>
+              <a:t>Cria uma solicitação de serviço para que se agende com o cliente uma data de início do trabalho</a:t>
+            </a:r>
           </a:p>
         </p:txBody>
       </p:sp>
       <p:pic>
         <p:nvPicPr>
-          <p:cNvPr id="3" name="Picture 2">
-            <a:extLst>
-              <a:ext uri="{FF2B5EF4-FFF2-40B4-BE49-F238E27FC236}">
-                <a16:creationId xmlns:a16="http://schemas.microsoft.com/office/drawing/2014/main" id="{E1660745-F8FB-4A81-9F0D-158FC71D1329}"/>
+          <p:cNvPr id="2" name="Picture 1">
+            <a:extLst>
+              <a:ext uri="{FF2B5EF4-FFF2-40B4-BE49-F238E27FC236}">
+                <a16:creationId xmlns:a16="http://schemas.microsoft.com/office/drawing/2014/main" id="{CD403C73-BC6A-4DDC-9F72-78913216AB59}"/>
               </a:ext>
             </a:extLst>
           </p:cNvPr>
@@ -3674,8 +3701,8 @@
         </p:blipFill>
         <p:spPr>
           <a:xfrm>
-            <a:off x="103934" y="231745"/>
-            <a:ext cx="5992066" cy="6277063"/>
+            <a:off x="195013" y="219410"/>
+            <a:ext cx="5971457" cy="6536626"/>
           </a:xfrm>
           <a:prstGeom prst="rect">
             <a:avLst/>
@@ -3684,10 +3711,10 @@
       </p:pic>
       <p:pic>
         <p:nvPicPr>
-          <p:cNvPr id="7" name="Graphic 6" descr="Target">
-            <a:extLst>
-              <a:ext uri="{FF2B5EF4-FFF2-40B4-BE49-F238E27FC236}">
-                <a16:creationId xmlns:a16="http://schemas.microsoft.com/office/drawing/2014/main" id="{59866C13-B4C5-4CE0-894B-9FE127BF9275}"/>
+          <p:cNvPr id="10" name="Graphic 9" descr="Target">
+            <a:extLst>
+              <a:ext uri="{FF2B5EF4-FFF2-40B4-BE49-F238E27FC236}">
+                <a16:creationId xmlns:a16="http://schemas.microsoft.com/office/drawing/2014/main" id="{A4A4B10D-0D2E-409B-BAF7-FAF90EF008BC}"/>
               </a:ext>
             </a:extLst>
           </p:cNvPr>
@@ -3713,7 +3740,7 @@
         </p:blipFill>
         <p:spPr>
           <a:xfrm>
-            <a:off x="296017" y="2187089"/>
+            <a:off x="262461" y="2161922"/>
             <a:ext cx="457200" cy="457200"/>
           </a:xfrm>
           <a:prstGeom prst="rect">
@@ -3721,108 +3748,6 @@
           </a:prstGeom>
         </p:spPr>
       </p:pic>
-      <p:sp>
-        <p:nvSpPr>
-          <p:cNvPr id="8" name="Rectangle 7">
-            <a:extLst>
-              <a:ext uri="{FF2B5EF4-FFF2-40B4-BE49-F238E27FC236}">
-                <a16:creationId xmlns:a16="http://schemas.microsoft.com/office/drawing/2014/main" id="{77D97877-0EBD-4C5C-BA73-C3E04677E975}"/>
-              </a:ext>
-            </a:extLst>
-          </p:cNvPr>
-          <p:cNvSpPr/>
-          <p:nvPr/>
-        </p:nvSpPr>
-        <p:spPr>
-          <a:xfrm>
-            <a:off x="369094" y="1905546"/>
-            <a:ext cx="854455" cy="223291"/>
-          </a:xfrm>
-          <a:prstGeom prst="rect">
-            <a:avLst/>
-          </a:prstGeom>
-          <a:solidFill>
-            <a:schemeClr val="bg1"/>
-          </a:solidFill>
-          <a:ln>
-            <a:noFill/>
-          </a:ln>
-        </p:spPr>
-        <p:style>
-          <a:lnRef idx="2">
-            <a:schemeClr val="accent1">
-              <a:shade val="50000"/>
-            </a:schemeClr>
-          </a:lnRef>
-          <a:fillRef idx="1">
-            <a:schemeClr val="accent1"/>
-          </a:fillRef>
-          <a:effectRef idx="0">
-            <a:schemeClr val="accent1"/>
-          </a:effectRef>
-          <a:fontRef idx="minor">
-            <a:schemeClr val="lt1"/>
-          </a:fontRef>
-        </p:style>
-        <p:txBody>
-          <a:bodyPr rtlCol="0" anchor="ctr"/>
-          <a:lstStyle/>
-          <a:p>
-            <a:pPr algn="ctr"/>
-            <a:endParaRPr lang="en-US"/>
-          </a:p>
-        </p:txBody>
-      </p:sp>
-      <p:sp>
-        <p:nvSpPr>
-          <p:cNvPr id="9" name="TextBox 8">
-            <a:extLst>
-              <a:ext uri="{FF2B5EF4-FFF2-40B4-BE49-F238E27FC236}">
-                <a16:creationId xmlns:a16="http://schemas.microsoft.com/office/drawing/2014/main" id="{12D694C4-0F69-4701-BBB4-E319499A3247}"/>
-              </a:ext>
-            </a:extLst>
-          </p:cNvPr>
-          <p:cNvSpPr txBox="1"/>
-          <p:nvPr/>
-        </p:nvSpPr>
-        <p:spPr>
-          <a:xfrm>
-            <a:off x="246028" y="1858686"/>
-            <a:ext cx="1100586" cy="332399"/>
-          </a:xfrm>
-          <a:prstGeom prst="rect">
-            <a:avLst/>
-          </a:prstGeom>
-          <a:noFill/>
-        </p:spPr>
-        <p:txBody>
-          <a:bodyPr wrap="square" rtlCol="0">
-            <a:spAutoFit/>
-          </a:bodyPr>
-          <a:lstStyle/>
-          <a:p>
-            <a:pPr algn="ctr"/>
-            <a:r>
-              <a:rPr lang="pt-BR" sz="780" dirty="0">
-                <a:latin typeface="Hel"/>
-              </a:rPr>
-              <a:t>Receber autorização</a:t>
-            </a:r>
-          </a:p>
-          <a:p>
-            <a:pPr algn="ctr"/>
-            <a:r>
-              <a:rPr lang="pt-BR" sz="780" dirty="0">
-                <a:latin typeface="Hel"/>
-              </a:rPr>
-              <a:t>de serviço</a:t>
-            </a:r>
-            <a:endParaRPr lang="en-US" sz="780" dirty="0">
-              <a:latin typeface="Hel"/>
-            </a:endParaRPr>
-          </a:p>
-        </p:txBody>
-      </p:sp>
     </p:spTree>
     <p:extLst>
       <p:ext uri="{BB962C8B-B14F-4D97-AF65-F5344CB8AC3E}">
@@ -3868,7 +3793,7 @@
         <p:spPr>
           <a:xfrm>
             <a:off x="6250360" y="3304342"/>
-            <a:ext cx="5488367" cy="2308324"/>
+            <a:ext cx="5488367" cy="3293209"/>
           </a:xfrm>
           <a:prstGeom prst="rect">
             <a:avLst/>
@@ -3921,7 +3846,7 @@
             </a:r>
             <a:r>
               <a:rPr lang="pt-BR" sz="1600" dirty="0"/>
-              <a:t>Auxiliar administrativo</a:t>
+              <a:t>Administrador</a:t>
             </a:r>
           </a:p>
           <a:p>
@@ -3934,7 +3859,27 @@
             </a:pPr>
             <a:r>
               <a:rPr lang="pt-BR" sz="1600" dirty="0"/>
+              <a:t>Recebe uma solicitação de serviço para agendamento de data com o cliente</a:t>
+            </a:r>
+          </a:p>
+          <a:p>
+            <a:pPr marL="285750" indent="-285750">
+              <a:buFont typeface="Arial" panose="020B0604020202020204" pitchFamily="34" charset="0"/>
+              <a:buChar char="•"/>
+            </a:pPr>
+            <a:r>
+              <a:rPr lang="pt-BR" sz="1600" dirty="0"/>
               <a:t>Obtém datas disponíveis na Agenda de serviço e notifica o Cliente.</a:t>
+            </a:r>
+          </a:p>
+          <a:p>
+            <a:pPr marL="285750" indent="-285750">
+              <a:buFont typeface="Arial" panose="020B0604020202020204" pitchFamily="34" charset="0"/>
+              <a:buChar char="•"/>
+            </a:pPr>
+            <a:r>
+              <a:rPr lang="pt-BR" sz="1600" dirty="0"/>
+              <a:t>Atualiza o status da solicitação de serviço para aguardando confirmação do cliente</a:t>
             </a:r>
           </a:p>
           <a:p>
@@ -3944,10 +3889,10 @@
       </p:sp>
       <p:pic>
         <p:nvPicPr>
-          <p:cNvPr id="3" name="Picture 2">
-            <a:extLst>
-              <a:ext uri="{FF2B5EF4-FFF2-40B4-BE49-F238E27FC236}">
-                <a16:creationId xmlns:a16="http://schemas.microsoft.com/office/drawing/2014/main" id="{E1660745-F8FB-4A81-9F0D-158FC71D1329}"/>
+          <p:cNvPr id="10" name="Picture 9">
+            <a:extLst>
+              <a:ext uri="{FF2B5EF4-FFF2-40B4-BE49-F238E27FC236}">
+                <a16:creationId xmlns:a16="http://schemas.microsoft.com/office/drawing/2014/main" id="{03A7E78A-4BC5-456D-9BE9-5CD8F56FC096}"/>
               </a:ext>
             </a:extLst>
           </p:cNvPr>
@@ -3964,8 +3909,8 @@
         </p:blipFill>
         <p:spPr>
           <a:xfrm>
-            <a:off x="103934" y="231745"/>
-            <a:ext cx="5992066" cy="6277063"/>
+            <a:off x="195013" y="219410"/>
+            <a:ext cx="5971457" cy="6536626"/>
           </a:xfrm>
           <a:prstGeom prst="rect">
             <a:avLst/>
@@ -3974,10 +3919,10 @@
       </p:pic>
       <p:pic>
         <p:nvPicPr>
-          <p:cNvPr id="7" name="Graphic 6" descr="Target">
-            <a:extLst>
-              <a:ext uri="{FF2B5EF4-FFF2-40B4-BE49-F238E27FC236}">
-                <a16:creationId xmlns:a16="http://schemas.microsoft.com/office/drawing/2014/main" id="{3A6F7844-8828-439E-862F-B15CE7D54077}"/>
+          <p:cNvPr id="11" name="Graphic 10" descr="Target">
+            <a:extLst>
+              <a:ext uri="{FF2B5EF4-FFF2-40B4-BE49-F238E27FC236}">
+                <a16:creationId xmlns:a16="http://schemas.microsoft.com/office/drawing/2014/main" id="{22999A76-98A4-408B-8326-80EF7D99DF17}"/>
               </a:ext>
             </a:extLst>
           </p:cNvPr>
@@ -4003,7 +3948,7 @@
         </p:blipFill>
         <p:spPr>
           <a:xfrm>
-            <a:off x="1948649" y="1465636"/>
+            <a:off x="2066094" y="2229034"/>
             <a:ext cx="457200" cy="457200"/>
           </a:xfrm>
           <a:prstGeom prst="rect">
@@ -4011,108 +3956,6 @@
           </a:prstGeom>
         </p:spPr>
       </p:pic>
-      <p:sp>
-        <p:nvSpPr>
-          <p:cNvPr id="8" name="Rectangle 7">
-            <a:extLst>
-              <a:ext uri="{FF2B5EF4-FFF2-40B4-BE49-F238E27FC236}">
-                <a16:creationId xmlns:a16="http://schemas.microsoft.com/office/drawing/2014/main" id="{5500493E-63AD-4C92-B8EF-A3831634F643}"/>
-              </a:ext>
-            </a:extLst>
-          </p:cNvPr>
-          <p:cNvSpPr/>
-          <p:nvPr/>
-        </p:nvSpPr>
-        <p:spPr>
-          <a:xfrm>
-            <a:off x="369094" y="1905546"/>
-            <a:ext cx="854455" cy="223291"/>
-          </a:xfrm>
-          <a:prstGeom prst="rect">
-            <a:avLst/>
-          </a:prstGeom>
-          <a:solidFill>
-            <a:schemeClr val="bg1"/>
-          </a:solidFill>
-          <a:ln>
-            <a:noFill/>
-          </a:ln>
-        </p:spPr>
-        <p:style>
-          <a:lnRef idx="2">
-            <a:schemeClr val="accent1">
-              <a:shade val="50000"/>
-            </a:schemeClr>
-          </a:lnRef>
-          <a:fillRef idx="1">
-            <a:schemeClr val="accent1"/>
-          </a:fillRef>
-          <a:effectRef idx="0">
-            <a:schemeClr val="accent1"/>
-          </a:effectRef>
-          <a:fontRef idx="minor">
-            <a:schemeClr val="lt1"/>
-          </a:fontRef>
-        </p:style>
-        <p:txBody>
-          <a:bodyPr rtlCol="0" anchor="ctr"/>
-          <a:lstStyle/>
-          <a:p>
-            <a:pPr algn="ctr"/>
-            <a:endParaRPr lang="en-US"/>
-          </a:p>
-        </p:txBody>
-      </p:sp>
-      <p:sp>
-        <p:nvSpPr>
-          <p:cNvPr id="9" name="TextBox 8">
-            <a:extLst>
-              <a:ext uri="{FF2B5EF4-FFF2-40B4-BE49-F238E27FC236}">
-                <a16:creationId xmlns:a16="http://schemas.microsoft.com/office/drawing/2014/main" id="{01FDC2AB-6F6C-4C39-8809-91BBB32A3769}"/>
-              </a:ext>
-            </a:extLst>
-          </p:cNvPr>
-          <p:cNvSpPr txBox="1"/>
-          <p:nvPr/>
-        </p:nvSpPr>
-        <p:spPr>
-          <a:xfrm>
-            <a:off x="246028" y="1858686"/>
-            <a:ext cx="1100586" cy="332399"/>
-          </a:xfrm>
-          <a:prstGeom prst="rect">
-            <a:avLst/>
-          </a:prstGeom>
-          <a:noFill/>
-        </p:spPr>
-        <p:txBody>
-          <a:bodyPr wrap="square" rtlCol="0">
-            <a:spAutoFit/>
-          </a:bodyPr>
-          <a:lstStyle/>
-          <a:p>
-            <a:pPr algn="ctr"/>
-            <a:r>
-              <a:rPr lang="pt-BR" sz="780" dirty="0">
-                <a:latin typeface="Hel"/>
-              </a:rPr>
-              <a:t>Receber autorização</a:t>
-            </a:r>
-          </a:p>
-          <a:p>
-            <a:pPr algn="ctr"/>
-            <a:r>
-              <a:rPr lang="pt-BR" sz="780" dirty="0">
-                <a:latin typeface="Hel"/>
-              </a:rPr>
-              <a:t>de serviço</a:t>
-            </a:r>
-            <a:endParaRPr lang="en-US" sz="780" dirty="0">
-              <a:latin typeface="Hel"/>
-            </a:endParaRPr>
-          </a:p>
-        </p:txBody>
-      </p:sp>
     </p:spTree>
     <p:extLst>
       <p:ext uri="{BB962C8B-B14F-4D97-AF65-F5344CB8AC3E}">
@@ -4158,7 +4001,7 @@
         <p:spPr>
           <a:xfrm>
             <a:off x="6250360" y="3304342"/>
-            <a:ext cx="5488367" cy="2062103"/>
+            <a:ext cx="5488367" cy="2554545"/>
           </a:xfrm>
           <a:prstGeom prst="rect">
             <a:avLst/>
@@ -4211,7 +4054,7 @@
             </a:r>
             <a:r>
               <a:rPr lang="pt-BR" sz="1600" dirty="0"/>
-              <a:t>Auxiliar administrativo</a:t>
+              <a:t>Administrador</a:t>
             </a:r>
           </a:p>
           <a:p>
@@ -4224,7 +4067,27 @@
             </a:pPr>
             <a:r>
               <a:rPr lang="pt-BR" sz="1600" dirty="0"/>
-              <a:t>Recebe do Cliente uma confirmação de data e atualiza o dado em Agenda de serviço.</a:t>
+              <a:t>Recebe do Cliente uma confirmação de data de início de trabalho</a:t>
+            </a:r>
+          </a:p>
+          <a:p>
+            <a:pPr marL="285750" indent="-285750">
+              <a:buFont typeface="Arial" panose="020B0604020202020204" pitchFamily="34" charset="0"/>
+              <a:buChar char="•"/>
+            </a:pPr>
+            <a:r>
+              <a:rPr lang="pt-BR" sz="1600" dirty="0"/>
+              <a:t>Atualiza o dado em Agenda de serviço</a:t>
+            </a:r>
+          </a:p>
+          <a:p>
+            <a:pPr marL="285750" indent="-285750">
+              <a:buFont typeface="Arial" panose="020B0604020202020204" pitchFamily="34" charset="0"/>
+              <a:buChar char="•"/>
+            </a:pPr>
+            <a:r>
+              <a:rPr lang="pt-BR" sz="1600" dirty="0"/>
+              <a:t>Muda o status da solicitação de serviço para conferida</a:t>
             </a:r>
           </a:p>
           <a:p>
@@ -4234,10 +4097,10 @@
       </p:sp>
       <p:pic>
         <p:nvPicPr>
-          <p:cNvPr id="3" name="Picture 2">
-            <a:extLst>
-              <a:ext uri="{FF2B5EF4-FFF2-40B4-BE49-F238E27FC236}">
-                <a16:creationId xmlns:a16="http://schemas.microsoft.com/office/drawing/2014/main" id="{E1660745-F8FB-4A81-9F0D-158FC71D1329}"/>
+          <p:cNvPr id="10" name="Picture 9">
+            <a:extLst>
+              <a:ext uri="{FF2B5EF4-FFF2-40B4-BE49-F238E27FC236}">
+                <a16:creationId xmlns:a16="http://schemas.microsoft.com/office/drawing/2014/main" id="{0C794A23-DF1F-4FC4-8BC0-AF84FBC1B051}"/>
               </a:ext>
             </a:extLst>
           </p:cNvPr>
@@ -4254,8 +4117,8 @@
         </p:blipFill>
         <p:spPr>
           <a:xfrm>
-            <a:off x="103934" y="231745"/>
-            <a:ext cx="5992066" cy="6277063"/>
+            <a:off x="195013" y="219410"/>
+            <a:ext cx="5971457" cy="6536626"/>
           </a:xfrm>
           <a:prstGeom prst="rect">
             <a:avLst/>
@@ -4264,10 +4127,10 @@
       </p:pic>
       <p:pic>
         <p:nvPicPr>
-          <p:cNvPr id="7" name="Graphic 6" descr="Target">
-            <a:extLst>
-              <a:ext uri="{FF2B5EF4-FFF2-40B4-BE49-F238E27FC236}">
-                <a16:creationId xmlns:a16="http://schemas.microsoft.com/office/drawing/2014/main" id="{90B07BE9-4B7E-4020-A1E8-6014291BC434}"/>
+          <p:cNvPr id="11" name="Graphic 10" descr="Target">
+            <a:extLst>
+              <a:ext uri="{FF2B5EF4-FFF2-40B4-BE49-F238E27FC236}">
+                <a16:creationId xmlns:a16="http://schemas.microsoft.com/office/drawing/2014/main" id="{4589E48C-264D-4077-8A9D-28F9A7751E3A}"/>
               </a:ext>
             </a:extLst>
           </p:cNvPr>
@@ -4293,7 +4156,7 @@
         </p:blipFill>
         <p:spPr>
           <a:xfrm>
-            <a:off x="3357999" y="1864113"/>
+            <a:off x="4163342" y="2161922"/>
             <a:ext cx="457200" cy="457200"/>
           </a:xfrm>
           <a:prstGeom prst="rect">
@@ -4301,108 +4164,6 @@
           </a:prstGeom>
         </p:spPr>
       </p:pic>
-      <p:sp>
-        <p:nvSpPr>
-          <p:cNvPr id="8" name="Rectangle 7">
-            <a:extLst>
-              <a:ext uri="{FF2B5EF4-FFF2-40B4-BE49-F238E27FC236}">
-                <a16:creationId xmlns:a16="http://schemas.microsoft.com/office/drawing/2014/main" id="{D70C5992-6635-4942-AD47-05F1DD9D580A}"/>
-              </a:ext>
-            </a:extLst>
-          </p:cNvPr>
-          <p:cNvSpPr/>
-          <p:nvPr/>
-        </p:nvSpPr>
-        <p:spPr>
-          <a:xfrm>
-            <a:off x="369094" y="1905546"/>
-            <a:ext cx="854455" cy="223291"/>
-          </a:xfrm>
-          <a:prstGeom prst="rect">
-            <a:avLst/>
-          </a:prstGeom>
-          <a:solidFill>
-            <a:schemeClr val="bg1"/>
-          </a:solidFill>
-          <a:ln>
-            <a:noFill/>
-          </a:ln>
-        </p:spPr>
-        <p:style>
-          <a:lnRef idx="2">
-            <a:schemeClr val="accent1">
-              <a:shade val="50000"/>
-            </a:schemeClr>
-          </a:lnRef>
-          <a:fillRef idx="1">
-            <a:schemeClr val="accent1"/>
-          </a:fillRef>
-          <a:effectRef idx="0">
-            <a:schemeClr val="accent1"/>
-          </a:effectRef>
-          <a:fontRef idx="minor">
-            <a:schemeClr val="lt1"/>
-          </a:fontRef>
-        </p:style>
-        <p:txBody>
-          <a:bodyPr rtlCol="0" anchor="ctr"/>
-          <a:lstStyle/>
-          <a:p>
-            <a:pPr algn="ctr"/>
-            <a:endParaRPr lang="en-US"/>
-          </a:p>
-        </p:txBody>
-      </p:sp>
-      <p:sp>
-        <p:nvSpPr>
-          <p:cNvPr id="9" name="TextBox 8">
-            <a:extLst>
-              <a:ext uri="{FF2B5EF4-FFF2-40B4-BE49-F238E27FC236}">
-                <a16:creationId xmlns:a16="http://schemas.microsoft.com/office/drawing/2014/main" id="{2F0101DE-E6AE-4FD8-9C81-7ED7A3933E00}"/>
-              </a:ext>
-            </a:extLst>
-          </p:cNvPr>
-          <p:cNvSpPr txBox="1"/>
-          <p:nvPr/>
-        </p:nvSpPr>
-        <p:spPr>
-          <a:xfrm>
-            <a:off x="246028" y="1858686"/>
-            <a:ext cx="1100586" cy="332399"/>
-          </a:xfrm>
-          <a:prstGeom prst="rect">
-            <a:avLst/>
-          </a:prstGeom>
-          <a:noFill/>
-        </p:spPr>
-        <p:txBody>
-          <a:bodyPr wrap="square" rtlCol="0">
-            <a:spAutoFit/>
-          </a:bodyPr>
-          <a:lstStyle/>
-          <a:p>
-            <a:pPr algn="ctr"/>
-            <a:r>
-              <a:rPr lang="pt-BR" sz="780" dirty="0">
-                <a:latin typeface="Hel"/>
-              </a:rPr>
-              <a:t>Receber autorização</a:t>
-            </a:r>
-          </a:p>
-          <a:p>
-            <a:pPr algn="ctr"/>
-            <a:r>
-              <a:rPr lang="pt-BR" sz="780" dirty="0">
-                <a:latin typeface="Hel"/>
-              </a:rPr>
-              <a:t>de serviço</a:t>
-            </a:r>
-            <a:endParaRPr lang="en-US" sz="780" dirty="0">
-              <a:latin typeface="Hel"/>
-            </a:endParaRPr>
-          </a:p>
-        </p:txBody>
-      </p:sp>
     </p:spTree>
     <p:extLst>
       <p:ext uri="{BB962C8B-B14F-4D97-AF65-F5344CB8AC3E}">
@@ -4448,7 +4209,7 @@
         <p:spPr>
           <a:xfrm>
             <a:off x="6250360" y="3304342"/>
-            <a:ext cx="5488367" cy="2308324"/>
+            <a:ext cx="5488367" cy="2554545"/>
           </a:xfrm>
           <a:prstGeom prst="rect">
             <a:avLst/>
@@ -4481,7 +4242,7 @@
             </a:r>
             <a:r>
               <a:rPr lang="pt-BR" sz="1600" dirty="0"/>
-              <a:t>Uma data foi atualizada em Agenda de serviço com status de iniciar instalação</a:t>
+              <a:t>Uma data foi atualizada em Agenda de serviço com status de conferida</a:t>
             </a:r>
           </a:p>
           <a:p>
@@ -4501,7 +4262,7 @@
             </a:r>
             <a:r>
               <a:rPr lang="pt-BR" sz="1600" dirty="0"/>
-              <a:t>Auxiliar administrativo</a:t>
+              <a:t>Administrador</a:t>
             </a:r>
           </a:p>
           <a:p>
@@ -4514,7 +4275,27 @@
             </a:pPr>
             <a:r>
               <a:rPr lang="pt-BR" sz="1600" dirty="0"/>
-              <a:t>Obtém a data da instalação em Agenda de serviço e notifica a Técnica.</a:t>
+              <a:t>Vê que existe uma data agendada para início do trabalho</a:t>
+            </a:r>
+          </a:p>
+          <a:p>
+            <a:pPr marL="285750" indent="-285750">
+              <a:buFont typeface="Arial" panose="020B0604020202020204" pitchFamily="34" charset="0"/>
+              <a:buChar char="•"/>
+            </a:pPr>
+            <a:r>
+              <a:rPr lang="pt-BR" sz="1600" dirty="0"/>
+              <a:t>Envia agenda de serviço para o técnico operacional</a:t>
+            </a:r>
+          </a:p>
+          <a:p>
+            <a:pPr marL="285750" indent="-285750">
+              <a:buFont typeface="Arial" panose="020B0604020202020204" pitchFamily="34" charset="0"/>
+              <a:buChar char="•"/>
+            </a:pPr>
+            <a:r>
+              <a:rPr lang="pt-BR" sz="1600" dirty="0"/>
+              <a:t>Muda o status da agenda para enviada</a:t>
             </a:r>
           </a:p>
           <a:p>
@@ -4524,10 +4305,10 @@
       </p:sp>
       <p:pic>
         <p:nvPicPr>
-          <p:cNvPr id="3" name="Picture 2">
-            <a:extLst>
-              <a:ext uri="{FF2B5EF4-FFF2-40B4-BE49-F238E27FC236}">
-                <a16:creationId xmlns:a16="http://schemas.microsoft.com/office/drawing/2014/main" id="{E1660745-F8FB-4A81-9F0D-158FC71D1329}"/>
+          <p:cNvPr id="10" name="Picture 9">
+            <a:extLst>
+              <a:ext uri="{FF2B5EF4-FFF2-40B4-BE49-F238E27FC236}">
+                <a16:creationId xmlns:a16="http://schemas.microsoft.com/office/drawing/2014/main" id="{CACA05CE-A182-4A20-BAFA-9ECF5D987CC0}"/>
               </a:ext>
             </a:extLst>
           </p:cNvPr>
@@ -4544,8 +4325,8 @@
         </p:blipFill>
         <p:spPr>
           <a:xfrm>
-            <a:off x="103934" y="231745"/>
-            <a:ext cx="5992066" cy="6277063"/>
+            <a:off x="195013" y="219410"/>
+            <a:ext cx="5971457" cy="6536626"/>
           </a:xfrm>
           <a:prstGeom prst="rect">
             <a:avLst/>
@@ -4554,10 +4335,10 @@
       </p:pic>
       <p:pic>
         <p:nvPicPr>
-          <p:cNvPr id="7" name="Graphic 6" descr="Target">
-            <a:extLst>
-              <a:ext uri="{FF2B5EF4-FFF2-40B4-BE49-F238E27FC236}">
-                <a16:creationId xmlns:a16="http://schemas.microsoft.com/office/drawing/2014/main" id="{2637DD00-A805-41BF-A4B3-2B803E31E282}"/>
+          <p:cNvPr id="11" name="Graphic 10" descr="Target">
+            <a:extLst>
+              <a:ext uri="{FF2B5EF4-FFF2-40B4-BE49-F238E27FC236}">
+                <a16:creationId xmlns:a16="http://schemas.microsoft.com/office/drawing/2014/main" id="{C3396B82-769D-479E-A396-E77135001D33}"/>
               </a:ext>
             </a:extLst>
           </p:cNvPr>
@@ -4583,7 +4364,7 @@
         </p:blipFill>
         <p:spPr>
           <a:xfrm>
-            <a:off x="5346190" y="2276931"/>
+            <a:off x="5463636" y="2220645"/>
             <a:ext cx="457200" cy="457200"/>
           </a:xfrm>
           <a:prstGeom prst="rect">
@@ -4591,108 +4372,6 @@
           </a:prstGeom>
         </p:spPr>
       </p:pic>
-      <p:sp>
-        <p:nvSpPr>
-          <p:cNvPr id="8" name="Rectangle 7">
-            <a:extLst>
-              <a:ext uri="{FF2B5EF4-FFF2-40B4-BE49-F238E27FC236}">
-                <a16:creationId xmlns:a16="http://schemas.microsoft.com/office/drawing/2014/main" id="{1E8BC0EE-792B-4C7D-9D16-0052B63F78C6}"/>
-              </a:ext>
-            </a:extLst>
-          </p:cNvPr>
-          <p:cNvSpPr/>
-          <p:nvPr/>
-        </p:nvSpPr>
-        <p:spPr>
-          <a:xfrm>
-            <a:off x="369094" y="1905546"/>
-            <a:ext cx="854455" cy="223291"/>
-          </a:xfrm>
-          <a:prstGeom prst="rect">
-            <a:avLst/>
-          </a:prstGeom>
-          <a:solidFill>
-            <a:schemeClr val="bg1"/>
-          </a:solidFill>
-          <a:ln>
-            <a:noFill/>
-          </a:ln>
-        </p:spPr>
-        <p:style>
-          <a:lnRef idx="2">
-            <a:schemeClr val="accent1">
-              <a:shade val="50000"/>
-            </a:schemeClr>
-          </a:lnRef>
-          <a:fillRef idx="1">
-            <a:schemeClr val="accent1"/>
-          </a:fillRef>
-          <a:effectRef idx="0">
-            <a:schemeClr val="accent1"/>
-          </a:effectRef>
-          <a:fontRef idx="minor">
-            <a:schemeClr val="lt1"/>
-          </a:fontRef>
-        </p:style>
-        <p:txBody>
-          <a:bodyPr rtlCol="0" anchor="ctr"/>
-          <a:lstStyle/>
-          <a:p>
-            <a:pPr algn="ctr"/>
-            <a:endParaRPr lang="en-US"/>
-          </a:p>
-        </p:txBody>
-      </p:sp>
-      <p:sp>
-        <p:nvSpPr>
-          <p:cNvPr id="9" name="TextBox 8">
-            <a:extLst>
-              <a:ext uri="{FF2B5EF4-FFF2-40B4-BE49-F238E27FC236}">
-                <a16:creationId xmlns:a16="http://schemas.microsoft.com/office/drawing/2014/main" id="{D4D4584B-1536-440E-A672-75B6C884EC3E}"/>
-              </a:ext>
-            </a:extLst>
-          </p:cNvPr>
-          <p:cNvSpPr txBox="1"/>
-          <p:nvPr/>
-        </p:nvSpPr>
-        <p:spPr>
-          <a:xfrm>
-            <a:off x="246028" y="1858686"/>
-            <a:ext cx="1100586" cy="332399"/>
-          </a:xfrm>
-          <a:prstGeom prst="rect">
-            <a:avLst/>
-          </a:prstGeom>
-          <a:noFill/>
-        </p:spPr>
-        <p:txBody>
-          <a:bodyPr wrap="square" rtlCol="0">
-            <a:spAutoFit/>
-          </a:bodyPr>
-          <a:lstStyle/>
-          <a:p>
-            <a:pPr algn="ctr"/>
-            <a:r>
-              <a:rPr lang="pt-BR" sz="780" dirty="0">
-                <a:latin typeface="Hel"/>
-              </a:rPr>
-              <a:t>Receber autorização</a:t>
-            </a:r>
-          </a:p>
-          <a:p>
-            <a:pPr algn="ctr"/>
-            <a:r>
-              <a:rPr lang="pt-BR" sz="780" dirty="0">
-                <a:latin typeface="Hel"/>
-              </a:rPr>
-              <a:t>de serviço</a:t>
-            </a:r>
-            <a:endParaRPr lang="en-US" sz="780" dirty="0">
-              <a:latin typeface="Hel"/>
-            </a:endParaRPr>
-          </a:p>
-        </p:txBody>
-      </p:sp>
     </p:spTree>
     <p:extLst>
       <p:ext uri="{BB962C8B-B14F-4D97-AF65-F5344CB8AC3E}">
@@ -4737,8 +4416,8 @@
         </p:nvSpPr>
         <p:spPr>
           <a:xfrm>
-            <a:off x="6250360" y="3304342"/>
-            <a:ext cx="5488367" cy="2062103"/>
+            <a:off x="6225193" y="3856839"/>
+            <a:ext cx="5488367" cy="2554545"/>
           </a:xfrm>
           <a:prstGeom prst="rect">
             <a:avLst/>
@@ -4791,7 +4470,7 @@
             </a:r>
             <a:r>
               <a:rPr lang="pt-BR" sz="1600" dirty="0"/>
-              <a:t>Auxiliar administrativo</a:t>
+              <a:t>Administrador</a:t>
             </a:r>
           </a:p>
           <a:p>
@@ -4804,20 +4483,38 @@
             </a:pPr>
             <a:r>
               <a:rPr lang="pt-BR" sz="1600" dirty="0"/>
-              <a:t>Cobra do cliente uma autorização de início do serviço, caso não respondido em uma semana.</a:t>
-            </a:r>
-          </a:p>
-          <a:p>
+              <a:t>Verifica se há algum projeto com autorização de início de serviço pendente e vencida</a:t>
+            </a:r>
+          </a:p>
+          <a:p>
+            <a:pPr marL="742950" lvl="1" indent="-285750">
+              <a:buFont typeface="Arial" panose="020B0604020202020204" pitchFamily="34" charset="0"/>
+              <a:buChar char="•"/>
+            </a:pPr>
+            <a:r>
+              <a:rPr lang="pt-BR" sz="1600" dirty="0"/>
+              <a:t>Havendo, cobra do cliente uma autorização de início do serviço</a:t>
+            </a:r>
+          </a:p>
+          <a:p>
+            <a:pPr marL="742950" lvl="1" indent="-285750">
+              <a:buFont typeface="Arial" panose="020B0604020202020204" pitchFamily="34" charset="0"/>
+              <a:buChar char="•"/>
+            </a:pPr>
+            <a:r>
+              <a:rPr lang="pt-BR" sz="1600" dirty="0"/>
+              <a:t>Atualiza a data para entrega da autorização</a:t>
+            </a:r>
             <a:endParaRPr lang="en-US" sz="1600" dirty="0"/>
           </a:p>
         </p:txBody>
       </p:sp>
       <p:pic>
         <p:nvPicPr>
-          <p:cNvPr id="3" name="Picture 2">
-            <a:extLst>
-              <a:ext uri="{FF2B5EF4-FFF2-40B4-BE49-F238E27FC236}">
-                <a16:creationId xmlns:a16="http://schemas.microsoft.com/office/drawing/2014/main" id="{E1660745-F8FB-4A81-9F0D-158FC71D1329}"/>
+          <p:cNvPr id="10" name="Picture 9">
+            <a:extLst>
+              <a:ext uri="{FF2B5EF4-FFF2-40B4-BE49-F238E27FC236}">
+                <a16:creationId xmlns:a16="http://schemas.microsoft.com/office/drawing/2014/main" id="{451FA08F-E5D1-4BCE-9002-D6E020C0402A}"/>
               </a:ext>
             </a:extLst>
           </p:cNvPr>
@@ -4834,8 +4531,8 @@
         </p:blipFill>
         <p:spPr>
           <a:xfrm>
-            <a:off x="103934" y="231745"/>
-            <a:ext cx="5992066" cy="6277063"/>
+            <a:off x="195013" y="219410"/>
+            <a:ext cx="5971457" cy="6536626"/>
           </a:xfrm>
           <a:prstGeom prst="rect">
             <a:avLst/>
@@ -4844,10 +4541,10 @@
       </p:pic>
       <p:pic>
         <p:nvPicPr>
-          <p:cNvPr id="7" name="Graphic 6" descr="Target">
-            <a:extLst>
-              <a:ext uri="{FF2B5EF4-FFF2-40B4-BE49-F238E27FC236}">
-                <a16:creationId xmlns:a16="http://schemas.microsoft.com/office/drawing/2014/main" id="{5AA9556D-FD71-4E5B-9EDE-FDB0E3F7FA52}"/>
+          <p:cNvPr id="11" name="Graphic 10" descr="Target">
+            <a:extLst>
+              <a:ext uri="{FF2B5EF4-FFF2-40B4-BE49-F238E27FC236}">
+                <a16:creationId xmlns:a16="http://schemas.microsoft.com/office/drawing/2014/main" id="{1145D7B0-A847-4E97-AEF2-2674C6B04DF1}"/>
               </a:ext>
             </a:extLst>
           </p:cNvPr>
@@ -4873,7 +4570,7 @@
         </p:blipFill>
         <p:spPr>
           <a:xfrm>
-            <a:off x="224673" y="4891624"/>
+            <a:off x="379907" y="5039346"/>
             <a:ext cx="457200" cy="457200"/>
           </a:xfrm>
           <a:prstGeom prst="rect">
@@ -4881,108 +4578,6 @@
           </a:prstGeom>
         </p:spPr>
       </p:pic>
-      <p:sp>
-        <p:nvSpPr>
-          <p:cNvPr id="8" name="Rectangle 7">
-            <a:extLst>
-              <a:ext uri="{FF2B5EF4-FFF2-40B4-BE49-F238E27FC236}">
-                <a16:creationId xmlns:a16="http://schemas.microsoft.com/office/drawing/2014/main" id="{A1A1ADEF-D354-4F65-809A-AFCF299DFD3D}"/>
-              </a:ext>
-            </a:extLst>
-          </p:cNvPr>
-          <p:cNvSpPr/>
-          <p:nvPr/>
-        </p:nvSpPr>
-        <p:spPr>
-          <a:xfrm>
-            <a:off x="369094" y="1905546"/>
-            <a:ext cx="854455" cy="223291"/>
-          </a:xfrm>
-          <a:prstGeom prst="rect">
-            <a:avLst/>
-          </a:prstGeom>
-          <a:solidFill>
-            <a:schemeClr val="bg1"/>
-          </a:solidFill>
-          <a:ln>
-            <a:noFill/>
-          </a:ln>
-        </p:spPr>
-        <p:style>
-          <a:lnRef idx="2">
-            <a:schemeClr val="accent1">
-              <a:shade val="50000"/>
-            </a:schemeClr>
-          </a:lnRef>
-          <a:fillRef idx="1">
-            <a:schemeClr val="accent1"/>
-          </a:fillRef>
-          <a:effectRef idx="0">
-            <a:schemeClr val="accent1"/>
-          </a:effectRef>
-          <a:fontRef idx="minor">
-            <a:schemeClr val="lt1"/>
-          </a:fontRef>
-        </p:style>
-        <p:txBody>
-          <a:bodyPr rtlCol="0" anchor="ctr"/>
-          <a:lstStyle/>
-          <a:p>
-            <a:pPr algn="ctr"/>
-            <a:endParaRPr lang="en-US"/>
-          </a:p>
-        </p:txBody>
-      </p:sp>
-      <p:sp>
-        <p:nvSpPr>
-          <p:cNvPr id="9" name="TextBox 8">
-            <a:extLst>
-              <a:ext uri="{FF2B5EF4-FFF2-40B4-BE49-F238E27FC236}">
-                <a16:creationId xmlns:a16="http://schemas.microsoft.com/office/drawing/2014/main" id="{E5BD6B4A-1837-4FC3-BC6A-D91F16C79D8C}"/>
-              </a:ext>
-            </a:extLst>
-          </p:cNvPr>
-          <p:cNvSpPr txBox="1"/>
-          <p:nvPr/>
-        </p:nvSpPr>
-        <p:spPr>
-          <a:xfrm>
-            <a:off x="246028" y="1858686"/>
-            <a:ext cx="1100586" cy="332399"/>
-          </a:xfrm>
-          <a:prstGeom prst="rect">
-            <a:avLst/>
-          </a:prstGeom>
-          <a:noFill/>
-        </p:spPr>
-        <p:txBody>
-          <a:bodyPr wrap="square" rtlCol="0">
-            <a:spAutoFit/>
-          </a:bodyPr>
-          <a:lstStyle/>
-          <a:p>
-            <a:pPr algn="ctr"/>
-            <a:r>
-              <a:rPr lang="pt-BR" sz="780" dirty="0">
-                <a:latin typeface="Hel"/>
-              </a:rPr>
-              <a:t>Receber autorização</a:t>
-            </a:r>
-          </a:p>
-          <a:p>
-            <a:pPr algn="ctr"/>
-            <a:r>
-              <a:rPr lang="pt-BR" sz="780" dirty="0">
-                <a:latin typeface="Hel"/>
-              </a:rPr>
-              <a:t>de serviço</a:t>
-            </a:r>
-            <a:endParaRPr lang="en-US" sz="780" dirty="0">
-              <a:latin typeface="Hel"/>
-            </a:endParaRPr>
-          </a:p>
-        </p:txBody>
-      </p:sp>
     </p:spTree>
     <p:extLst>
       <p:ext uri="{BB962C8B-B14F-4D97-AF65-F5344CB8AC3E}">
@@ -5028,7 +4623,7 @@
         <p:spPr>
           <a:xfrm>
             <a:off x="6250360" y="3304342"/>
-            <a:ext cx="5488367" cy="1815882"/>
+            <a:ext cx="5488367" cy="2800767"/>
           </a:xfrm>
           <a:prstGeom prst="rect">
             <a:avLst/>
@@ -5081,7 +4676,7 @@
             </a:r>
             <a:r>
               <a:rPr lang="pt-BR" sz="1600" dirty="0"/>
-              <a:t>Auxiliar administrativo</a:t>
+              <a:t>Administrador</a:t>
             </a:r>
           </a:p>
           <a:p>
@@ -5094,8 +4689,29 @@
             </a:pPr>
             <a:r>
               <a:rPr lang="pt-BR" sz="1600" dirty="0"/>
-              <a:t>Cobra do Cliente uma confirmação de data.</a:t>
-            </a:r>
+              <a:t>Verifica se há algum projeto com requisição de data de início de serviço pendente e vencida</a:t>
+            </a:r>
+          </a:p>
+          <a:p>
+            <a:pPr marL="742950" lvl="1" indent="-285750">
+              <a:buFont typeface="Arial" panose="020B0604020202020204" pitchFamily="34" charset="0"/>
+              <a:buChar char="•"/>
+            </a:pPr>
+            <a:r>
+              <a:rPr lang="pt-BR" sz="1600" dirty="0"/>
+              <a:t>Havendo, cobra do cliente uma data de início de início do serviço</a:t>
+            </a:r>
+          </a:p>
+          <a:p>
+            <a:pPr marL="742950" lvl="1" indent="-285750">
+              <a:buFont typeface="Arial" panose="020B0604020202020204" pitchFamily="34" charset="0"/>
+              <a:buChar char="•"/>
+            </a:pPr>
+            <a:r>
+              <a:rPr lang="pt-BR" sz="1600" dirty="0"/>
+              <a:t>Atualiza a data para entrega da requisição</a:t>
+            </a:r>
+            <a:endParaRPr lang="en-US" sz="1600" dirty="0"/>
           </a:p>
           <a:p>
             <a:endParaRPr lang="en-US" sz="1600" dirty="0"/>
@@ -5104,10 +4720,10 @@
       </p:sp>
       <p:pic>
         <p:nvPicPr>
-          <p:cNvPr id="3" name="Picture 2">
-            <a:extLst>
-              <a:ext uri="{FF2B5EF4-FFF2-40B4-BE49-F238E27FC236}">
-                <a16:creationId xmlns:a16="http://schemas.microsoft.com/office/drawing/2014/main" id="{E1660745-F8FB-4A81-9F0D-158FC71D1329}"/>
+          <p:cNvPr id="10" name="Picture 9">
+            <a:extLst>
+              <a:ext uri="{FF2B5EF4-FFF2-40B4-BE49-F238E27FC236}">
+                <a16:creationId xmlns:a16="http://schemas.microsoft.com/office/drawing/2014/main" id="{9DFE8CAB-3E9D-4857-9F9C-892B4124FD5D}"/>
               </a:ext>
             </a:extLst>
           </p:cNvPr>
@@ -5124,8 +4740,8 @@
         </p:blipFill>
         <p:spPr>
           <a:xfrm>
-            <a:off x="103934" y="231745"/>
-            <a:ext cx="5992066" cy="6277063"/>
+            <a:off x="195013" y="219410"/>
+            <a:ext cx="5971457" cy="6536626"/>
           </a:xfrm>
           <a:prstGeom prst="rect">
             <a:avLst/>
@@ -5134,10 +4750,10 @@
       </p:pic>
       <p:pic>
         <p:nvPicPr>
-          <p:cNvPr id="7" name="Graphic 6" descr="Target">
-            <a:extLst>
-              <a:ext uri="{FF2B5EF4-FFF2-40B4-BE49-F238E27FC236}">
-                <a16:creationId xmlns:a16="http://schemas.microsoft.com/office/drawing/2014/main" id="{6908A139-7DC1-40EE-A574-8EF3C4B2F245}"/>
+          <p:cNvPr id="11" name="Graphic 10" descr="Target">
+            <a:extLst>
+              <a:ext uri="{FF2B5EF4-FFF2-40B4-BE49-F238E27FC236}">
+                <a16:creationId xmlns:a16="http://schemas.microsoft.com/office/drawing/2014/main" id="{C64EC863-3AD3-45B0-AA18-0CB11E886E69}"/>
               </a:ext>
             </a:extLst>
           </p:cNvPr>
@@ -5163,7 +4779,7 @@
         </p:blipFill>
         <p:spPr>
           <a:xfrm>
-            <a:off x="2642767" y="4891624"/>
+            <a:off x="2619768" y="4980623"/>
             <a:ext cx="457200" cy="457200"/>
           </a:xfrm>
           <a:prstGeom prst="rect">
@@ -5171,108 +4787,6 @@
           </a:prstGeom>
         </p:spPr>
       </p:pic>
-      <p:sp>
-        <p:nvSpPr>
-          <p:cNvPr id="8" name="Rectangle 7">
-            <a:extLst>
-              <a:ext uri="{FF2B5EF4-FFF2-40B4-BE49-F238E27FC236}">
-                <a16:creationId xmlns:a16="http://schemas.microsoft.com/office/drawing/2014/main" id="{4B7DE07F-E980-4D3D-A7F1-67ECF8E6CE10}"/>
-              </a:ext>
-            </a:extLst>
-          </p:cNvPr>
-          <p:cNvSpPr/>
-          <p:nvPr/>
-        </p:nvSpPr>
-        <p:spPr>
-          <a:xfrm>
-            <a:off x="369094" y="1905546"/>
-            <a:ext cx="854455" cy="223291"/>
-          </a:xfrm>
-          <a:prstGeom prst="rect">
-            <a:avLst/>
-          </a:prstGeom>
-          <a:solidFill>
-            <a:schemeClr val="bg1"/>
-          </a:solidFill>
-          <a:ln>
-            <a:noFill/>
-          </a:ln>
-        </p:spPr>
-        <p:style>
-          <a:lnRef idx="2">
-            <a:schemeClr val="accent1">
-              <a:shade val="50000"/>
-            </a:schemeClr>
-          </a:lnRef>
-          <a:fillRef idx="1">
-            <a:schemeClr val="accent1"/>
-          </a:fillRef>
-          <a:effectRef idx="0">
-            <a:schemeClr val="accent1"/>
-          </a:effectRef>
-          <a:fontRef idx="minor">
-            <a:schemeClr val="lt1"/>
-          </a:fontRef>
-        </p:style>
-        <p:txBody>
-          <a:bodyPr rtlCol="0" anchor="ctr"/>
-          <a:lstStyle/>
-          <a:p>
-            <a:pPr algn="ctr"/>
-            <a:endParaRPr lang="en-US"/>
-          </a:p>
-        </p:txBody>
-      </p:sp>
-      <p:sp>
-        <p:nvSpPr>
-          <p:cNvPr id="9" name="TextBox 8">
-            <a:extLst>
-              <a:ext uri="{FF2B5EF4-FFF2-40B4-BE49-F238E27FC236}">
-                <a16:creationId xmlns:a16="http://schemas.microsoft.com/office/drawing/2014/main" id="{DE4B4247-48D5-4B34-BEF3-1B89A4FF1332}"/>
-              </a:ext>
-            </a:extLst>
-          </p:cNvPr>
-          <p:cNvSpPr txBox="1"/>
-          <p:nvPr/>
-        </p:nvSpPr>
-        <p:spPr>
-          <a:xfrm>
-            <a:off x="246028" y="1858686"/>
-            <a:ext cx="1100586" cy="332399"/>
-          </a:xfrm>
-          <a:prstGeom prst="rect">
-            <a:avLst/>
-          </a:prstGeom>
-          <a:noFill/>
-        </p:spPr>
-        <p:txBody>
-          <a:bodyPr wrap="square" rtlCol="0">
-            <a:spAutoFit/>
-          </a:bodyPr>
-          <a:lstStyle/>
-          <a:p>
-            <a:pPr algn="ctr"/>
-            <a:r>
-              <a:rPr lang="pt-BR" sz="780" dirty="0">
-                <a:latin typeface="Hel"/>
-              </a:rPr>
-              <a:t>Receber autorização</a:t>
-            </a:r>
-          </a:p>
-          <a:p>
-            <a:pPr algn="ctr"/>
-            <a:r>
-              <a:rPr lang="pt-BR" sz="780" dirty="0">
-                <a:latin typeface="Hel"/>
-              </a:rPr>
-              <a:t>de serviço</a:t>
-            </a:r>
-            <a:endParaRPr lang="en-US" sz="780" dirty="0">
-              <a:latin typeface="Hel"/>
-            </a:endParaRPr>
-          </a:p>
-        </p:txBody>
-      </p:sp>
     </p:spTree>
     <p:extLst>
       <p:ext uri="{BB962C8B-B14F-4D97-AF65-F5344CB8AC3E}">
@@ -5317,8 +4831,8 @@
         </p:nvSpPr>
         <p:spPr>
           <a:xfrm>
-            <a:off x="6250360" y="3304342"/>
-            <a:ext cx="5488367" cy="1815882"/>
+            <a:off x="6300694" y="4138951"/>
+            <a:ext cx="5488367" cy="2308324"/>
           </a:xfrm>
           <a:prstGeom prst="rect">
             <a:avLst/>
@@ -5371,7 +4885,7 @@
             </a:r>
             <a:r>
               <a:rPr lang="pt-BR" sz="1600" dirty="0"/>
-              <a:t>Auxiliar administrativo</a:t>
+              <a:t>Administrador</a:t>
             </a:r>
           </a:p>
           <a:p>
@@ -5384,20 +4898,38 @@
             </a:pPr>
             <a:r>
               <a:rPr lang="pt-BR" sz="1600" dirty="0"/>
-              <a:t>Envia para o Cliente uma confirmação da instalação.</a:t>
-            </a:r>
-          </a:p>
-          <a:p>
+              <a:t>Vê que existe uma data agendada para início do trabalho</a:t>
+            </a:r>
+          </a:p>
+          <a:p>
+            <a:pPr marL="285750" indent="-285750">
+              <a:buFont typeface="Arial" panose="020B0604020202020204" pitchFamily="34" charset="0"/>
+              <a:buChar char="•"/>
+            </a:pPr>
+            <a:r>
+              <a:rPr lang="pt-BR" sz="1600" dirty="0"/>
+              <a:t>Envia agenda de serviço para cliente</a:t>
+            </a:r>
+          </a:p>
+          <a:p>
+            <a:pPr marL="285750" indent="-285750">
+              <a:buFont typeface="Arial" panose="020B0604020202020204" pitchFamily="34" charset="0"/>
+              <a:buChar char="•"/>
+            </a:pPr>
+            <a:r>
+              <a:rPr lang="pt-BR" sz="1600" dirty="0"/>
+              <a:t>Muda o status da solicitação de serviço como enviada para o cliente</a:t>
+            </a:r>
             <a:endParaRPr lang="en-US" sz="1600" dirty="0"/>
           </a:p>
         </p:txBody>
       </p:sp>
       <p:pic>
         <p:nvPicPr>
-          <p:cNvPr id="3" name="Picture 2">
-            <a:extLst>
-              <a:ext uri="{FF2B5EF4-FFF2-40B4-BE49-F238E27FC236}">
-                <a16:creationId xmlns:a16="http://schemas.microsoft.com/office/drawing/2014/main" id="{E1660745-F8FB-4A81-9F0D-158FC71D1329}"/>
+          <p:cNvPr id="8" name="Picture 7">
+            <a:extLst>
+              <a:ext uri="{FF2B5EF4-FFF2-40B4-BE49-F238E27FC236}">
+                <a16:creationId xmlns:a16="http://schemas.microsoft.com/office/drawing/2014/main" id="{10E50B63-D060-4EA9-BBC1-7919F9E3F3BB}"/>
               </a:ext>
             </a:extLst>
           </p:cNvPr>
@@ -5414,8 +4946,8 @@
         </p:blipFill>
         <p:spPr>
           <a:xfrm>
-            <a:off x="103934" y="231745"/>
-            <a:ext cx="5992066" cy="6277063"/>
+            <a:off x="195013" y="219410"/>
+            <a:ext cx="5971457" cy="6536626"/>
           </a:xfrm>
           <a:prstGeom prst="rect">
             <a:avLst/>
@@ -5424,10 +4956,10 @@
       </p:pic>
       <p:pic>
         <p:nvPicPr>
-          <p:cNvPr id="7" name="Graphic 6" descr="Target">
-            <a:extLst>
-              <a:ext uri="{FF2B5EF4-FFF2-40B4-BE49-F238E27FC236}">
-                <a16:creationId xmlns:a16="http://schemas.microsoft.com/office/drawing/2014/main" id="{07DF9A01-72D6-4979-A65B-7A50FC74A057}"/>
+          <p:cNvPr id="9" name="Graphic 8" descr="Target">
+            <a:extLst>
+              <a:ext uri="{FF2B5EF4-FFF2-40B4-BE49-F238E27FC236}">
+                <a16:creationId xmlns:a16="http://schemas.microsoft.com/office/drawing/2014/main" id="{F5C6F773-3E7A-448F-947B-B596B901DC49}"/>
               </a:ext>
             </a:extLst>
           </p:cNvPr>
@@ -5453,7 +4985,7 @@
         </p:blipFill>
         <p:spPr>
           <a:xfrm>
-            <a:off x="4104619" y="4891624"/>
+            <a:off x="4154953" y="5039346"/>
             <a:ext cx="457200" cy="457200"/>
           </a:xfrm>
           <a:prstGeom prst="rect">
@@ -5461,108 +4993,6 @@
           </a:prstGeom>
         </p:spPr>
       </p:pic>
-      <p:sp>
-        <p:nvSpPr>
-          <p:cNvPr id="2" name="Rectangle 1">
-            <a:extLst>
-              <a:ext uri="{FF2B5EF4-FFF2-40B4-BE49-F238E27FC236}">
-                <a16:creationId xmlns:a16="http://schemas.microsoft.com/office/drawing/2014/main" id="{40CF8E1A-BAF3-4B39-94F9-1DCF7189E4B6}"/>
-              </a:ext>
-            </a:extLst>
-          </p:cNvPr>
-          <p:cNvSpPr/>
-          <p:nvPr/>
-        </p:nvSpPr>
-        <p:spPr>
-          <a:xfrm>
-            <a:off x="369094" y="1905546"/>
-            <a:ext cx="854455" cy="223291"/>
-          </a:xfrm>
-          <a:prstGeom prst="rect">
-            <a:avLst/>
-          </a:prstGeom>
-          <a:solidFill>
-            <a:schemeClr val="bg1"/>
-          </a:solidFill>
-          <a:ln>
-            <a:noFill/>
-          </a:ln>
-        </p:spPr>
-        <p:style>
-          <a:lnRef idx="2">
-            <a:schemeClr val="accent1">
-              <a:shade val="50000"/>
-            </a:schemeClr>
-          </a:lnRef>
-          <a:fillRef idx="1">
-            <a:schemeClr val="accent1"/>
-          </a:fillRef>
-          <a:effectRef idx="0">
-            <a:schemeClr val="accent1"/>
-          </a:effectRef>
-          <a:fontRef idx="minor">
-            <a:schemeClr val="lt1"/>
-          </a:fontRef>
-        </p:style>
-        <p:txBody>
-          <a:bodyPr rtlCol="0" anchor="ctr"/>
-          <a:lstStyle/>
-          <a:p>
-            <a:pPr algn="ctr"/>
-            <a:endParaRPr lang="en-US"/>
-          </a:p>
-        </p:txBody>
-      </p:sp>
-      <p:sp>
-        <p:nvSpPr>
-          <p:cNvPr id="4" name="TextBox 3">
-            <a:extLst>
-              <a:ext uri="{FF2B5EF4-FFF2-40B4-BE49-F238E27FC236}">
-                <a16:creationId xmlns:a16="http://schemas.microsoft.com/office/drawing/2014/main" id="{0691E2BD-9D0E-40FF-B576-99F7BC0D87AE}"/>
-              </a:ext>
-            </a:extLst>
-          </p:cNvPr>
-          <p:cNvSpPr txBox="1"/>
-          <p:nvPr/>
-        </p:nvSpPr>
-        <p:spPr>
-          <a:xfrm>
-            <a:off x="246028" y="1858686"/>
-            <a:ext cx="1100586" cy="332399"/>
-          </a:xfrm>
-          <a:prstGeom prst="rect">
-            <a:avLst/>
-          </a:prstGeom>
-          <a:noFill/>
-        </p:spPr>
-        <p:txBody>
-          <a:bodyPr wrap="square" rtlCol="0">
-            <a:spAutoFit/>
-          </a:bodyPr>
-          <a:lstStyle/>
-          <a:p>
-            <a:pPr algn="ctr"/>
-            <a:r>
-              <a:rPr lang="pt-BR" sz="780" dirty="0">
-                <a:latin typeface="Hel"/>
-              </a:rPr>
-              <a:t>Receber autorização</a:t>
-            </a:r>
-          </a:p>
-          <a:p>
-            <a:pPr algn="ctr"/>
-            <a:r>
-              <a:rPr lang="pt-BR" sz="780" dirty="0">
-                <a:latin typeface="Hel"/>
-              </a:rPr>
-              <a:t>de serviço</a:t>
-            </a:r>
-            <a:endParaRPr lang="en-US" sz="780" dirty="0">
-              <a:latin typeface="Hel"/>
-            </a:endParaRPr>
-          </a:p>
-        </p:txBody>
-      </p:sp>
     </p:spTree>
     <p:extLst>
       <p:ext uri="{BB962C8B-B14F-4D97-AF65-F5344CB8AC3E}">
@@ -5658,7 +5088,7 @@
             </a:r>
             <a:r>
               <a:rPr lang="pt-BR" sz="1600" dirty="0"/>
-              <a:t>Auxiliar técnico</a:t>
+              <a:t>Técnico operacional</a:t>
             </a:r>
           </a:p>
           <a:p>
@@ -5846,7 +5276,7 @@
             </a:r>
             <a:r>
               <a:rPr lang="pt-BR" sz="1600" dirty="0"/>
-              <a:t>Responsável técnico</a:t>
+              <a:t>Técnico operacional</a:t>
             </a:r>
           </a:p>
           <a:p>
@@ -6034,7 +5464,7 @@
             </a:r>
             <a:r>
               <a:rPr lang="pt-BR" sz="1600" dirty="0"/>
-              <a:t>Responsável técnico</a:t>
+              <a:t>Técnico operacional</a:t>
             </a:r>
           </a:p>
           <a:p>
@@ -6188,8 +5618,8 @@
         </p:nvSpPr>
         <p:spPr>
           <a:xfrm>
-            <a:off x="6250360" y="3304342"/>
-            <a:ext cx="5488367" cy="1815882"/>
+            <a:off x="6426529" y="4076130"/>
+            <a:ext cx="5488367" cy="2554545"/>
           </a:xfrm>
           <a:prstGeom prst="rect">
             <a:avLst/>
@@ -6242,7 +5672,7 @@
             </a:r>
             <a:r>
               <a:rPr lang="pt-BR" sz="1600" dirty="0"/>
-              <a:t>Auxiliar administrativo</a:t>
+              <a:t>Administrador</a:t>
             </a:r>
           </a:p>
           <a:p>
@@ -6255,20 +5685,28 @@
             </a:pPr>
             <a:r>
               <a:rPr lang="pt-BR" sz="1600" dirty="0"/>
-              <a:t>Cobra envio de dados técnicos.</a:t>
-            </a:r>
-          </a:p>
-          <a:p>
+              <a:t>Verifica dos projetos em análise quais estão com pedidos de dados técnicos pendentes vencidas.</a:t>
+            </a:r>
+          </a:p>
+          <a:p>
+            <a:pPr marL="742950" lvl="1" indent="-285750">
+              <a:buFont typeface="Arial" panose="020B0604020202020204" pitchFamily="34" charset="0"/>
+              <a:buChar char="•"/>
+            </a:pPr>
+            <a:r>
+              <a:rPr lang="pt-BR" sz="1600" dirty="0"/>
+              <a:t>Havendo solicitações vencidas, encaminha a cobrança de dados e atualiza novo prazo para envio das informações.</a:t>
+            </a:r>
             <a:endParaRPr lang="en-US" sz="1600" dirty="0"/>
           </a:p>
         </p:txBody>
       </p:sp>
       <p:pic>
         <p:nvPicPr>
-          <p:cNvPr id="2" name="Picture 1">
-            <a:extLst>
-              <a:ext uri="{FF2B5EF4-FFF2-40B4-BE49-F238E27FC236}">
-                <a16:creationId xmlns:a16="http://schemas.microsoft.com/office/drawing/2014/main" id="{C1A83565-E569-485B-ADAF-C32B0F35EDF9}"/>
+          <p:cNvPr id="9" name="Picture 8">
+            <a:extLst>
+              <a:ext uri="{FF2B5EF4-FFF2-40B4-BE49-F238E27FC236}">
+                <a16:creationId xmlns:a16="http://schemas.microsoft.com/office/drawing/2014/main" id="{9EDC9BD7-5D7E-4836-B640-221CC93188E1}"/>
               </a:ext>
             </a:extLst>
           </p:cNvPr>
@@ -6285,8 +5723,8 @@
         </p:blipFill>
         <p:spPr>
           <a:xfrm>
-            <a:off x="190581" y="682750"/>
-            <a:ext cx="5905419" cy="5709659"/>
+            <a:off x="58723" y="112499"/>
+            <a:ext cx="6124793" cy="6633002"/>
           </a:xfrm>
           <a:prstGeom prst="rect">
             <a:avLst/>
@@ -6295,10 +5733,10 @@
       </p:pic>
       <p:pic>
         <p:nvPicPr>
-          <p:cNvPr id="6" name="Graphic 5" descr="Target">
-            <a:extLst>
-              <a:ext uri="{FF2B5EF4-FFF2-40B4-BE49-F238E27FC236}">
-                <a16:creationId xmlns:a16="http://schemas.microsoft.com/office/drawing/2014/main" id="{53AD6DDA-DBBE-4300-AA63-37D49C606A90}"/>
+          <p:cNvPr id="10" name="Graphic 9" descr="Target">
+            <a:extLst>
+              <a:ext uri="{FF2B5EF4-FFF2-40B4-BE49-F238E27FC236}">
+                <a16:creationId xmlns:a16="http://schemas.microsoft.com/office/drawing/2014/main" id="{DF01B632-3559-455B-8C39-673E5A0033FD}"/>
               </a:ext>
             </a:extLst>
           </p:cNvPr>
@@ -6324,7 +5762,7 @@
         </p:blipFill>
         <p:spPr>
           <a:xfrm>
-            <a:off x="3030828" y="1776030"/>
+            <a:off x="3121119" y="1247523"/>
             <a:ext cx="457200" cy="457200"/>
           </a:xfrm>
           <a:prstGeom prst="rect">
@@ -7032,7 +6470,7 @@
             </a:r>
             <a:r>
               <a:rPr lang="pt-BR" sz="1600" dirty="0"/>
-              <a:t>Auxiliar administrativo</a:t>
+              <a:t>Administrador</a:t>
             </a:r>
           </a:p>
           <a:p>
@@ -7055,10 +6493,10 @@
       </p:sp>
       <p:pic>
         <p:nvPicPr>
-          <p:cNvPr id="2" name="Picture 1">
-            <a:extLst>
-              <a:ext uri="{FF2B5EF4-FFF2-40B4-BE49-F238E27FC236}">
-                <a16:creationId xmlns:a16="http://schemas.microsoft.com/office/drawing/2014/main" id="{B81E5CFD-66BC-4AC3-86B0-6E11D3DE619D}"/>
+          <p:cNvPr id="3" name="Picture 2">
+            <a:extLst>
+              <a:ext uri="{FF2B5EF4-FFF2-40B4-BE49-F238E27FC236}">
+                <a16:creationId xmlns:a16="http://schemas.microsoft.com/office/drawing/2014/main" id="{7F800A34-DA46-409E-A89D-43DA7AF10148}"/>
               </a:ext>
             </a:extLst>
           </p:cNvPr>
@@ -7075,8 +6513,8 @@
         </p:blipFill>
         <p:spPr>
           <a:xfrm>
-            <a:off x="1023608" y="358725"/>
-            <a:ext cx="3883952" cy="6140550"/>
+            <a:off x="1099061" y="140515"/>
+            <a:ext cx="3984870" cy="6576970"/>
           </a:xfrm>
           <a:prstGeom prst="rect">
             <a:avLst/>
@@ -7085,10 +6523,10 @@
       </p:pic>
       <p:pic>
         <p:nvPicPr>
-          <p:cNvPr id="7" name="Graphic 6" descr="Target">
-            <a:extLst>
-              <a:ext uri="{FF2B5EF4-FFF2-40B4-BE49-F238E27FC236}">
-                <a16:creationId xmlns:a16="http://schemas.microsoft.com/office/drawing/2014/main" id="{BE976397-AAC5-428E-BE91-070C35FB5FB8}"/>
+          <p:cNvPr id="6" name="Graphic 5" descr="Target">
+            <a:extLst>
+              <a:ext uri="{FF2B5EF4-FFF2-40B4-BE49-F238E27FC236}">
+                <a16:creationId xmlns:a16="http://schemas.microsoft.com/office/drawing/2014/main" id="{B4CC8F9A-1905-4719-A050-C74C05659E7C}"/>
               </a:ext>
             </a:extLst>
           </p:cNvPr>
@@ -7114,7 +6552,7 @@
         </p:blipFill>
         <p:spPr>
           <a:xfrm>
-            <a:off x="1235584" y="1683750"/>
+            <a:off x="1839592" y="1591471"/>
             <a:ext cx="457200" cy="457200"/>
           </a:xfrm>
           <a:prstGeom prst="rect">
@@ -7220,7 +6658,7 @@
             </a:r>
             <a:r>
               <a:rPr lang="pt-BR" sz="1600" dirty="0"/>
-              <a:t>Auxiliar administrativo</a:t>
+              <a:t>Administrador</a:t>
             </a:r>
           </a:p>
           <a:p>
@@ -7253,10 +6691,10 @@
       </p:sp>
       <p:pic>
         <p:nvPicPr>
-          <p:cNvPr id="2" name="Picture 1">
-            <a:extLst>
-              <a:ext uri="{FF2B5EF4-FFF2-40B4-BE49-F238E27FC236}">
-                <a16:creationId xmlns:a16="http://schemas.microsoft.com/office/drawing/2014/main" id="{B81E5CFD-66BC-4AC3-86B0-6E11D3DE619D}"/>
+          <p:cNvPr id="6" name="Picture 5">
+            <a:extLst>
+              <a:ext uri="{FF2B5EF4-FFF2-40B4-BE49-F238E27FC236}">
+                <a16:creationId xmlns:a16="http://schemas.microsoft.com/office/drawing/2014/main" id="{D2152789-6004-4187-8890-E2AF5CCCC173}"/>
               </a:ext>
             </a:extLst>
           </p:cNvPr>
@@ -7273,8 +6711,8 @@
         </p:blipFill>
         <p:spPr>
           <a:xfrm>
-            <a:off x="1023608" y="358725"/>
-            <a:ext cx="3883952" cy="6140550"/>
+            <a:off x="1099061" y="140515"/>
+            <a:ext cx="3984870" cy="6576970"/>
           </a:xfrm>
           <a:prstGeom prst="rect">
             <a:avLst/>
@@ -7283,10 +6721,10 @@
       </p:pic>
       <p:pic>
         <p:nvPicPr>
-          <p:cNvPr id="7" name="Graphic 6" descr="Target">
-            <a:extLst>
-              <a:ext uri="{FF2B5EF4-FFF2-40B4-BE49-F238E27FC236}">
-                <a16:creationId xmlns:a16="http://schemas.microsoft.com/office/drawing/2014/main" id="{BE976397-AAC5-428E-BE91-070C35FB5FB8}"/>
+          <p:cNvPr id="8" name="Graphic 7" descr="Target">
+            <a:extLst>
+              <a:ext uri="{FF2B5EF4-FFF2-40B4-BE49-F238E27FC236}">
+                <a16:creationId xmlns:a16="http://schemas.microsoft.com/office/drawing/2014/main" id="{DB351054-AD42-4D9A-B5F3-58C89ADDAC97}"/>
               </a:ext>
             </a:extLst>
           </p:cNvPr>
@@ -7312,7 +6750,7 @@
         </p:blipFill>
         <p:spPr>
           <a:xfrm>
-            <a:off x="2508384" y="1683750"/>
+            <a:off x="3274109" y="1574693"/>
             <a:ext cx="457200" cy="457200"/>
           </a:xfrm>
           <a:prstGeom prst="rect">
@@ -7418,7 +6856,7 @@
             </a:r>
             <a:r>
               <a:rPr lang="pt-BR" sz="1600" dirty="0"/>
-              <a:t>Auxiliar administrativo</a:t>
+              <a:t>Administrador</a:t>
             </a:r>
           </a:p>
           <a:p>
@@ -7451,10 +6889,10 @@
       </p:sp>
       <p:pic>
         <p:nvPicPr>
-          <p:cNvPr id="2" name="Picture 1">
-            <a:extLst>
-              <a:ext uri="{FF2B5EF4-FFF2-40B4-BE49-F238E27FC236}">
-                <a16:creationId xmlns:a16="http://schemas.microsoft.com/office/drawing/2014/main" id="{B81E5CFD-66BC-4AC3-86B0-6E11D3DE619D}"/>
+          <p:cNvPr id="6" name="Picture 5">
+            <a:extLst>
+              <a:ext uri="{FF2B5EF4-FFF2-40B4-BE49-F238E27FC236}">
+                <a16:creationId xmlns:a16="http://schemas.microsoft.com/office/drawing/2014/main" id="{79F64EC4-C33C-4DF5-A0AE-1DDDF1FB0D14}"/>
               </a:ext>
             </a:extLst>
           </p:cNvPr>
@@ -7471,8 +6909,8 @@
         </p:blipFill>
         <p:spPr>
           <a:xfrm>
-            <a:off x="1023608" y="358725"/>
-            <a:ext cx="3883952" cy="6140550"/>
+            <a:off x="1099061" y="140515"/>
+            <a:ext cx="3984870" cy="6576970"/>
           </a:xfrm>
           <a:prstGeom prst="rect">
             <a:avLst/>
@@ -7481,10 +6919,10 @@
       </p:pic>
       <p:pic>
         <p:nvPicPr>
-          <p:cNvPr id="7" name="Graphic 6" descr="Target">
-            <a:extLst>
-              <a:ext uri="{FF2B5EF4-FFF2-40B4-BE49-F238E27FC236}">
-                <a16:creationId xmlns:a16="http://schemas.microsoft.com/office/drawing/2014/main" id="{BE976397-AAC5-428E-BE91-070C35FB5FB8}"/>
+          <p:cNvPr id="8" name="Graphic 7" descr="Target">
+            <a:extLst>
+              <a:ext uri="{FF2B5EF4-FFF2-40B4-BE49-F238E27FC236}">
+                <a16:creationId xmlns:a16="http://schemas.microsoft.com/office/drawing/2014/main" id="{9014B54F-59A3-41D9-BBB1-0096889CB777}"/>
               </a:ext>
             </a:extLst>
           </p:cNvPr>
@@ -7510,7 +6948,7 @@
         </p:blipFill>
         <p:spPr>
           <a:xfrm>
-            <a:off x="4347900" y="2405203"/>
+            <a:off x="4557625" y="2388425"/>
             <a:ext cx="457200" cy="457200"/>
           </a:xfrm>
           <a:prstGeom prst="rect">
@@ -7616,7 +7054,7 @@
             </a:r>
             <a:r>
               <a:rPr lang="pt-BR" sz="1600" dirty="0"/>
-              <a:t>Auxiliar administrativo</a:t>
+              <a:t>Administrador</a:t>
             </a:r>
           </a:p>
           <a:p>
@@ -7646,10 +7084,10 @@
       </p:sp>
       <p:pic>
         <p:nvPicPr>
-          <p:cNvPr id="2" name="Picture 1">
-            <a:extLst>
-              <a:ext uri="{FF2B5EF4-FFF2-40B4-BE49-F238E27FC236}">
-                <a16:creationId xmlns:a16="http://schemas.microsoft.com/office/drawing/2014/main" id="{B81E5CFD-66BC-4AC3-86B0-6E11D3DE619D}"/>
+          <p:cNvPr id="6" name="Picture 5">
+            <a:extLst>
+              <a:ext uri="{FF2B5EF4-FFF2-40B4-BE49-F238E27FC236}">
+                <a16:creationId xmlns:a16="http://schemas.microsoft.com/office/drawing/2014/main" id="{ED5A8475-FB4C-4FB6-9BD3-47BB3BD9263A}"/>
               </a:ext>
             </a:extLst>
           </p:cNvPr>
@@ -7666,8 +7104,8 @@
         </p:blipFill>
         <p:spPr>
           <a:xfrm>
-            <a:off x="1023608" y="358725"/>
-            <a:ext cx="3883952" cy="6140550"/>
+            <a:off x="1099061" y="140515"/>
+            <a:ext cx="3984870" cy="6576970"/>
           </a:xfrm>
           <a:prstGeom prst="rect">
             <a:avLst/>
@@ -7676,10 +7114,10 @@
       </p:pic>
       <p:pic>
         <p:nvPicPr>
-          <p:cNvPr id="7" name="Graphic 6" descr="Target">
-            <a:extLst>
-              <a:ext uri="{FF2B5EF4-FFF2-40B4-BE49-F238E27FC236}">
-                <a16:creationId xmlns:a16="http://schemas.microsoft.com/office/drawing/2014/main" id="{BE976397-AAC5-428E-BE91-070C35FB5FB8}"/>
+          <p:cNvPr id="8" name="Graphic 7" descr="Target">
+            <a:extLst>
+              <a:ext uri="{FF2B5EF4-FFF2-40B4-BE49-F238E27FC236}">
+                <a16:creationId xmlns:a16="http://schemas.microsoft.com/office/drawing/2014/main" id="{91C00DD3-8BC3-49D3-B89F-D90A3397F441}"/>
               </a:ext>
             </a:extLst>
           </p:cNvPr>
@@ -7705,7 +7143,7 @@
         </p:blipFill>
         <p:spPr>
           <a:xfrm>
-            <a:off x="3307665" y="4663024"/>
+            <a:off x="3366388" y="4838010"/>
             <a:ext cx="457200" cy="457200"/>
           </a:xfrm>
           <a:prstGeom prst="rect">
@@ -8373,8 +7811,8 @@
         </p:nvSpPr>
         <p:spPr>
           <a:xfrm>
-            <a:off x="6250360" y="3304342"/>
-            <a:ext cx="5488367" cy="2554545"/>
+            <a:off x="6460085" y="3295953"/>
+            <a:ext cx="5488367" cy="3293209"/>
           </a:xfrm>
           <a:prstGeom prst="rect">
             <a:avLst/>
@@ -8427,7 +7865,7 @@
             </a:r>
             <a:r>
               <a:rPr lang="pt-BR" sz="1600" dirty="0"/>
-              <a:t>Gerente administrativo</a:t>
+              <a:t>Administrador</a:t>
             </a:r>
           </a:p>
           <a:p>
@@ -8439,32 +7877,44 @@
               <a:buChar char="•"/>
             </a:pPr>
             <a:r>
+              <a:rPr lang="en-US" sz="1600" dirty="0"/>
+              <a:t>Lê o </a:t>
+            </a:r>
+            <a:r>
               <a:rPr lang="en-US" sz="1600" dirty="0" err="1"/>
-              <a:t>Determina</a:t>
+              <a:t>projeto</a:t>
             </a:r>
             <a:r>
               <a:rPr lang="en-US" sz="1600" dirty="0"/>
-              <a:t> o </a:t>
+              <a:t> e </a:t>
             </a:r>
             <a:r>
               <a:rPr lang="en-US" sz="1600" dirty="0" err="1"/>
-              <a:t>tipo</a:t>
+              <a:t>identificar</a:t>
             </a:r>
             <a:r>
               <a:rPr lang="en-US" sz="1600" dirty="0"/>
-              <a:t> de </a:t>
+              <a:t> se </a:t>
             </a:r>
             <a:r>
               <a:rPr lang="en-US" sz="1600" dirty="0" err="1"/>
-              <a:t>serviço</a:t>
+              <a:t>há</a:t>
             </a:r>
             <a:r>
               <a:rPr lang="en-US" sz="1600" dirty="0"/>
-              <a:t> a ser </a:t>
+              <a:t> </a:t>
             </a:r>
             <a:r>
               <a:rPr lang="en-US" sz="1600" dirty="0" err="1"/>
-              <a:t>feito</a:t>
+              <a:t>dúvidas</a:t>
+            </a:r>
+            <a:r>
+              <a:rPr lang="en-US" sz="1600" dirty="0"/>
+              <a:t> </a:t>
+            </a:r>
+            <a:r>
+              <a:rPr lang="en-US" sz="1600" dirty="0" err="1"/>
+              <a:t>técnicas</a:t>
             </a:r>
             <a:r>
               <a:rPr lang="en-US" sz="1600" dirty="0"/>
@@ -8472,13 +7922,77 @@
             </a:r>
           </a:p>
           <a:p>
-            <a:pPr marL="285750" indent="-285750">
+            <a:pPr marL="742950" lvl="1" indent="-285750">
               <a:buFont typeface="Arial" panose="020B0604020202020204" pitchFamily="34" charset="0"/>
               <a:buChar char="•"/>
             </a:pPr>
             <a:r>
               <a:rPr lang="en-US" sz="1600" dirty="0" err="1"/>
-              <a:t>Solicita</a:t>
+              <a:t>Havendo</a:t>
+            </a:r>
+            <a:r>
+              <a:rPr lang="en-US" sz="1600" dirty="0"/>
+              <a:t> </a:t>
+            </a:r>
+            <a:r>
+              <a:rPr lang="en-US" sz="1600" dirty="0" err="1"/>
+              <a:t>dúvidas</a:t>
+            </a:r>
+            <a:r>
+              <a:rPr lang="en-US" sz="1600" dirty="0"/>
+              <a:t> </a:t>
+            </a:r>
+            <a:r>
+              <a:rPr lang="en-US" sz="1600" dirty="0" err="1"/>
+              <a:t>técnicas</a:t>
+            </a:r>
+            <a:r>
+              <a:rPr lang="en-US" sz="1600" dirty="0"/>
+              <a:t> </a:t>
+            </a:r>
+            <a:r>
+              <a:rPr lang="en-US" sz="1600" dirty="0" err="1"/>
+              <a:t>verifica</a:t>
+            </a:r>
+            <a:r>
+              <a:rPr lang="en-US" sz="1600" dirty="0"/>
+              <a:t> </a:t>
+            </a:r>
+            <a:r>
+              <a:rPr lang="en-US" sz="1600" dirty="0" err="1"/>
+              <a:t>em</a:t>
+            </a:r>
+            <a:r>
+              <a:rPr lang="en-US" sz="1600" dirty="0"/>
+              <a:t> </a:t>
+            </a:r>
+            <a:r>
+              <a:rPr lang="en-US" sz="1600" dirty="0" err="1"/>
+              <a:t>Resultado</a:t>
+            </a:r>
+            <a:r>
+              <a:rPr lang="en-US" sz="1600" dirty="0"/>
+              <a:t> da </a:t>
+            </a:r>
+            <a:r>
+              <a:rPr lang="en-US" sz="1600" dirty="0" err="1"/>
+              <a:t>análise</a:t>
+            </a:r>
+            <a:r>
+              <a:rPr lang="en-US" sz="1600" dirty="0"/>
+              <a:t> se </a:t>
+            </a:r>
+            <a:r>
+              <a:rPr lang="en-US" sz="1600" dirty="0" err="1"/>
+              <a:t>já</a:t>
+            </a:r>
+            <a:r>
+              <a:rPr lang="en-US" sz="1600" dirty="0"/>
+              <a:t> </a:t>
+            </a:r>
+            <a:r>
+              <a:rPr lang="en-US" sz="1600" dirty="0" err="1"/>
+              <a:t>há</a:t>
             </a:r>
             <a:r>
               <a:rPr lang="en-US" sz="1600" dirty="0"/>
@@ -8486,31 +8000,7 @@
             </a:r>
             <a:r>
               <a:rPr lang="en-US" sz="1600" dirty="0" err="1"/>
-              <a:t>técnicos</a:t>
-            </a:r>
-            <a:r>
-              <a:rPr lang="en-US" sz="1600" dirty="0"/>
-              <a:t> </a:t>
-            </a:r>
-            <a:r>
-              <a:rPr lang="en-US" sz="1600" dirty="0" err="1"/>
-              <a:t>necessários</a:t>
-            </a:r>
-            <a:r>
-              <a:rPr lang="en-US" sz="1600" dirty="0"/>
-              <a:t> para </a:t>
-            </a:r>
-            <a:r>
-              <a:rPr lang="en-US" sz="1600" dirty="0" err="1"/>
-              <a:t>formalizar</a:t>
-            </a:r>
-            <a:r>
-              <a:rPr lang="en-US" sz="1600" dirty="0"/>
-              <a:t> um </a:t>
-            </a:r>
-            <a:r>
-              <a:rPr lang="en-US" sz="1600" dirty="0" err="1"/>
-              <a:t>orçamento</a:t>
+              <a:t>compatíveis</a:t>
             </a:r>
             <a:r>
               <a:rPr lang="en-US" sz="1600" dirty="0"/>
@@ -8518,13 +8008,21 @@
             </a:r>
           </a:p>
           <a:p>
-            <a:pPr marL="285750" indent="-285750">
+            <a:pPr marL="1200150" lvl="2" indent="-285750">
               <a:buFont typeface="Arial" panose="020B0604020202020204" pitchFamily="34" charset="0"/>
               <a:buChar char="•"/>
             </a:pPr>
             <a:r>
               <a:rPr lang="en-US" sz="1600" dirty="0" err="1"/>
-              <a:t>Atualiza</a:t>
+              <a:t>Não</a:t>
+            </a:r>
+            <a:r>
+              <a:rPr lang="en-US" sz="1600" dirty="0"/>
+              <a:t> </a:t>
+            </a:r>
+            <a:r>
+              <a:rPr lang="en-US" sz="1600" dirty="0" err="1"/>
+              <a:t>havendo</a:t>
             </a:r>
             <a:r>
               <a:rPr lang="en-US" sz="1600" dirty="0"/>
@@ -8532,7 +8030,45 @@
             </a:r>
             <a:r>
               <a:rPr lang="en-US" sz="1600" dirty="0" err="1"/>
-              <a:t>em</a:t>
+              <a:t>compatíveis</a:t>
+            </a:r>
+            <a:r>
+              <a:rPr lang="en-US" sz="1600" dirty="0"/>
+              <a:t>, </a:t>
+            </a:r>
+            <a:r>
+              <a:rPr lang="en-US" sz="1600" dirty="0" err="1"/>
+              <a:t>pede</a:t>
+            </a:r>
+            <a:r>
+              <a:rPr lang="en-US" sz="1600" dirty="0"/>
+              <a:t> dados </a:t>
+            </a:r>
+            <a:r>
+              <a:rPr lang="en-US" sz="1600" dirty="0" err="1"/>
+              <a:t>técnicos</a:t>
+            </a:r>
+            <a:r>
+              <a:rPr lang="en-US" sz="1600" dirty="0"/>
+              <a:t> e de </a:t>
+            </a:r>
+            <a:r>
+              <a:rPr lang="en-US" sz="1600" dirty="0" err="1"/>
+              <a:t>custo</a:t>
+            </a:r>
+            <a:r>
+              <a:rPr lang="en-US" sz="1600" dirty="0"/>
+              <a:t>.</a:t>
+            </a:r>
+          </a:p>
+          <a:p>
+            <a:pPr marL="742950" lvl="1" indent="-285750">
+              <a:buFont typeface="Arial" panose="020B0604020202020204" pitchFamily="34" charset="0"/>
+              <a:buChar char="•"/>
+            </a:pPr>
+            <a:r>
+              <a:rPr lang="en-US" sz="1600" dirty="0" err="1"/>
+              <a:t>Não</a:t>
             </a:r>
             <a:r>
               <a:rPr lang="en-US" sz="1600" dirty="0"/>
@@ -8540,15 +8076,7 @@
             </a:r>
             <a:r>
               <a:rPr lang="en-US" sz="1600" dirty="0" err="1"/>
-              <a:t>Orçamento</a:t>
-            </a:r>
-            <a:r>
-              <a:rPr lang="en-US" sz="1600" dirty="0"/>
-              <a:t> com base </a:t>
-            </a:r>
-            <a:r>
-              <a:rPr lang="en-US" sz="1600" dirty="0" err="1"/>
-              <a:t>na</a:t>
+              <a:t>havendo</a:t>
             </a:r>
             <a:r>
               <a:rPr lang="en-US" sz="1600" dirty="0"/>
@@ -8556,7 +8084,23 @@
             </a:r>
             <a:r>
               <a:rPr lang="en-US" sz="1600" dirty="0" err="1"/>
-              <a:t>análise</a:t>
+              <a:t>dúvidas</a:t>
+            </a:r>
+            <a:r>
+              <a:rPr lang="en-US" sz="1600" dirty="0"/>
+              <a:t>, </a:t>
+            </a:r>
+            <a:r>
+              <a:rPr lang="en-US" sz="1600" dirty="0" err="1"/>
+              <a:t>atualiza</a:t>
+            </a:r>
+            <a:r>
+              <a:rPr lang="en-US" sz="1600" dirty="0"/>
+              <a:t> o status do </a:t>
+            </a:r>
+            <a:r>
+              <a:rPr lang="en-US" sz="1600" dirty="0" err="1"/>
+              <a:t>projeto</a:t>
             </a:r>
             <a:r>
               <a:rPr lang="en-US" sz="1600" dirty="0"/>
@@ -8564,7 +8108,31 @@
             </a:r>
             <a:r>
               <a:rPr lang="en-US" sz="1600" dirty="0" err="1"/>
-              <a:t>técnica</a:t>
+              <a:t>como</a:t>
+            </a:r>
+            <a:r>
+              <a:rPr lang="en-US" sz="1600" dirty="0"/>
+              <a:t> </a:t>
+            </a:r>
+            <a:r>
+              <a:rPr lang="en-US" sz="1600" dirty="0" err="1"/>
+              <a:t>liberado</a:t>
+            </a:r>
+            <a:r>
+              <a:rPr lang="en-US" sz="1600" dirty="0"/>
+              <a:t> para </a:t>
+            </a:r>
+            <a:r>
+              <a:rPr lang="en-US" sz="1600" dirty="0" err="1"/>
+              <a:t>confecção</a:t>
+            </a:r>
+            <a:r>
+              <a:rPr lang="en-US" sz="1600" dirty="0"/>
+              <a:t> de </a:t>
+            </a:r>
+            <a:r>
+              <a:rPr lang="en-US" sz="1600" dirty="0" err="1"/>
+              <a:t>orçamento</a:t>
             </a:r>
             <a:r>
               <a:rPr lang="en-US" sz="1600" dirty="0"/>
@@ -8582,10 +8150,10 @@
       </p:sp>
       <p:pic>
         <p:nvPicPr>
-          <p:cNvPr id="2" name="Picture 1">
-            <a:extLst>
-              <a:ext uri="{FF2B5EF4-FFF2-40B4-BE49-F238E27FC236}">
-                <a16:creationId xmlns:a16="http://schemas.microsoft.com/office/drawing/2014/main" id="{C1A83565-E569-485B-ADAF-C32B0F35EDF9}"/>
+          <p:cNvPr id="9" name="Picture 8">
+            <a:extLst>
+              <a:ext uri="{FF2B5EF4-FFF2-40B4-BE49-F238E27FC236}">
+                <a16:creationId xmlns:a16="http://schemas.microsoft.com/office/drawing/2014/main" id="{E914FE1E-9225-4ABD-AA11-89C32902D31E}"/>
               </a:ext>
             </a:extLst>
           </p:cNvPr>
@@ -8602,8 +8170,8 @@
         </p:blipFill>
         <p:spPr>
           <a:xfrm>
-            <a:off x="190581" y="682750"/>
-            <a:ext cx="5905419" cy="5709659"/>
+            <a:off x="58723" y="112499"/>
+            <a:ext cx="6124793" cy="6633002"/>
           </a:xfrm>
           <a:prstGeom prst="rect">
             <a:avLst/>
@@ -8612,10 +8180,10 @@
       </p:pic>
       <p:pic>
         <p:nvPicPr>
-          <p:cNvPr id="6" name="Graphic 5" descr="Target">
-            <a:extLst>
-              <a:ext uri="{FF2B5EF4-FFF2-40B4-BE49-F238E27FC236}">
-                <a16:creationId xmlns:a16="http://schemas.microsoft.com/office/drawing/2014/main" id="{53AD6DDA-DBBE-4300-AA63-37D49C606A90}"/>
+          <p:cNvPr id="10" name="Graphic 9" descr="Target">
+            <a:extLst>
+              <a:ext uri="{FF2B5EF4-FFF2-40B4-BE49-F238E27FC236}">
+                <a16:creationId xmlns:a16="http://schemas.microsoft.com/office/drawing/2014/main" id="{83E6CAAD-8E4E-4569-9338-5E3F701863B7}"/>
               </a:ext>
             </a:extLst>
           </p:cNvPr>
@@ -8641,7 +8209,7 @@
         </p:blipFill>
         <p:spPr>
           <a:xfrm>
-            <a:off x="3869727" y="2564595"/>
+            <a:off x="3710337" y="1289468"/>
             <a:ext cx="457200" cy="457200"/>
           </a:xfrm>
           <a:prstGeom prst="rect">
@@ -8747,7 +8315,7 @@
             </a:r>
             <a:r>
               <a:rPr lang="pt-BR" sz="1600" dirty="0"/>
-              <a:t>Auxiliar administrativo</a:t>
+              <a:t>Administrador</a:t>
             </a:r>
           </a:p>
           <a:p>
@@ -8780,10 +8348,10 @@
       </p:sp>
       <p:pic>
         <p:nvPicPr>
-          <p:cNvPr id="2" name="Picture 1">
-            <a:extLst>
-              <a:ext uri="{FF2B5EF4-FFF2-40B4-BE49-F238E27FC236}">
-                <a16:creationId xmlns:a16="http://schemas.microsoft.com/office/drawing/2014/main" id="{1BE898A1-C82A-4602-B594-AEE97E23151E}"/>
+          <p:cNvPr id="3" name="Picture 2">
+            <a:extLst>
+              <a:ext uri="{FF2B5EF4-FFF2-40B4-BE49-F238E27FC236}">
+                <a16:creationId xmlns:a16="http://schemas.microsoft.com/office/drawing/2014/main" id="{373873F6-41E4-40D0-BE17-6955454E6044}"/>
               </a:ext>
             </a:extLst>
           </p:cNvPr>
@@ -8800,8 +8368,8 @@
         </p:blipFill>
         <p:spPr>
           <a:xfrm>
-            <a:off x="1273877" y="121640"/>
-            <a:ext cx="2100779" cy="6614719"/>
+            <a:off x="1390435" y="127661"/>
+            <a:ext cx="3164787" cy="6602677"/>
           </a:xfrm>
           <a:prstGeom prst="rect">
             <a:avLst/>
@@ -8810,10 +8378,10 @@
       </p:pic>
       <p:pic>
         <p:nvPicPr>
-          <p:cNvPr id="7" name="Graphic 6" descr="Target">
-            <a:extLst>
-              <a:ext uri="{FF2B5EF4-FFF2-40B4-BE49-F238E27FC236}">
-                <a16:creationId xmlns:a16="http://schemas.microsoft.com/office/drawing/2014/main" id="{513C6B4B-CB58-4193-96D3-9AA221D4CD39}"/>
+          <p:cNvPr id="6" name="Graphic 5" descr="Target">
+            <a:extLst>
+              <a:ext uri="{FF2B5EF4-FFF2-40B4-BE49-F238E27FC236}">
+                <a16:creationId xmlns:a16="http://schemas.microsoft.com/office/drawing/2014/main" id="{394DB3CA-7E52-41B4-AEA2-643556ECFC7D}"/>
               </a:ext>
             </a:extLst>
           </p:cNvPr>
@@ -8839,7 +8407,7 @@
         </p:blipFill>
         <p:spPr>
           <a:xfrm>
-            <a:off x="1747313" y="2304535"/>
+            <a:off x="2972828" y="2346480"/>
             <a:ext cx="457200" cy="457200"/>
           </a:xfrm>
           <a:prstGeom prst="rect">
@@ -8942,7 +8510,7 @@
             </a:r>
             <a:r>
               <a:rPr lang="pt-BR" sz="1600" dirty="0"/>
-              <a:t>Gerente administrativo</a:t>
+              <a:t>Administrador</a:t>
             </a:r>
           </a:p>
           <a:p>
@@ -8985,10 +8553,10 @@
       </p:sp>
       <p:pic>
         <p:nvPicPr>
-          <p:cNvPr id="2" name="Picture 1">
-            <a:extLst>
-              <a:ext uri="{FF2B5EF4-FFF2-40B4-BE49-F238E27FC236}">
-                <a16:creationId xmlns:a16="http://schemas.microsoft.com/office/drawing/2014/main" id="{1BE898A1-C82A-4602-B594-AEE97E23151E}"/>
+          <p:cNvPr id="6" name="Picture 5">
+            <a:extLst>
+              <a:ext uri="{FF2B5EF4-FFF2-40B4-BE49-F238E27FC236}">
+                <a16:creationId xmlns:a16="http://schemas.microsoft.com/office/drawing/2014/main" id="{9991802A-B7BE-4129-98F8-4C07A5DDFB48}"/>
               </a:ext>
             </a:extLst>
           </p:cNvPr>
@@ -9005,8 +8573,8 @@
         </p:blipFill>
         <p:spPr>
           <a:xfrm>
-            <a:off x="1273877" y="121640"/>
-            <a:ext cx="2100779" cy="6614719"/>
+            <a:off x="1390435" y="127661"/>
+            <a:ext cx="3164787" cy="6602677"/>
           </a:xfrm>
           <a:prstGeom prst="rect">
             <a:avLst/>
@@ -9015,10 +8583,10 @@
       </p:pic>
       <p:pic>
         <p:nvPicPr>
-          <p:cNvPr id="7" name="Graphic 6" descr="Target">
-            <a:extLst>
-              <a:ext uri="{FF2B5EF4-FFF2-40B4-BE49-F238E27FC236}">
-                <a16:creationId xmlns:a16="http://schemas.microsoft.com/office/drawing/2014/main" id="{513C6B4B-CB58-4193-96D3-9AA221D4CD39}"/>
+          <p:cNvPr id="8" name="Graphic 7" descr="Target">
+            <a:extLst>
+              <a:ext uri="{FF2B5EF4-FFF2-40B4-BE49-F238E27FC236}">
+                <a16:creationId xmlns:a16="http://schemas.microsoft.com/office/drawing/2014/main" id="{71FEE796-E8A2-4D21-937C-C7E6AE68172D}"/>
               </a:ext>
             </a:extLst>
           </p:cNvPr>
@@ -9044,7 +8612,7 @@
         </p:blipFill>
         <p:spPr>
           <a:xfrm>
-            <a:off x="1663423" y="4212283"/>
+            <a:off x="3828506" y="4267559"/>
             <a:ext cx="457200" cy="457200"/>
           </a:xfrm>
           <a:prstGeom prst="rect">
@@ -9150,7 +8718,7 @@
             </a:r>
             <a:r>
               <a:rPr lang="pt-BR" sz="1600" dirty="0"/>
-              <a:t>Gerente administrativo</a:t>
+              <a:t>Administrador</a:t>
             </a:r>
           </a:p>
           <a:p>
@@ -9181,75 +8749,6 @@
           </a:p>
         </p:txBody>
       </p:sp>
-      <p:pic>
-        <p:nvPicPr>
-          <p:cNvPr id="2" name="Picture 1">
-            <a:extLst>
-              <a:ext uri="{FF2B5EF4-FFF2-40B4-BE49-F238E27FC236}">
-                <a16:creationId xmlns:a16="http://schemas.microsoft.com/office/drawing/2014/main" id="{E19D4AE9-3A56-4C25-B3E5-B9A118E6E65F}"/>
-              </a:ext>
-            </a:extLst>
-          </p:cNvPr>
-          <p:cNvPicPr>
-            <a:picLocks noChangeAspect="1"/>
-          </p:cNvPicPr>
-          <p:nvPr/>
-        </p:nvPicPr>
-        <p:blipFill>
-          <a:blip r:embed="rId2"/>
-          <a:stretch>
-            <a:fillRect/>
-          </a:stretch>
-        </p:blipFill>
-        <p:spPr>
-          <a:xfrm>
-            <a:off x="183431" y="275490"/>
-            <a:ext cx="5672085" cy="6307020"/>
-          </a:xfrm>
-          <a:prstGeom prst="rect">
-            <a:avLst/>
-          </a:prstGeom>
-        </p:spPr>
-      </p:pic>
-      <p:pic>
-        <p:nvPicPr>
-          <p:cNvPr id="7" name="Graphic 6" descr="Target">
-            <a:extLst>
-              <a:ext uri="{FF2B5EF4-FFF2-40B4-BE49-F238E27FC236}">
-                <a16:creationId xmlns:a16="http://schemas.microsoft.com/office/drawing/2014/main" id="{4AFAB691-D1B0-40C5-A89D-78487C62326A}"/>
-              </a:ext>
-            </a:extLst>
-          </p:cNvPr>
-          <p:cNvPicPr>
-            <a:picLocks noChangeAspect="1"/>
-          </p:cNvPicPr>
-          <p:nvPr/>
-        </p:nvPicPr>
-        <p:blipFill>
-          <a:blip r:embed="rId3">
-            <a:extLst>
-              <a:ext uri="{28A0092B-C50C-407E-A947-70E740481C1C}">
-                <a14:useLocalDpi xmlns:a14="http://schemas.microsoft.com/office/drawing/2010/main" val="0"/>
-              </a:ext>
-              <a:ext uri="{96DAC541-7B7A-43D3-8B79-37D633B846F1}">
-                <asvg:svgBlip xmlns:asvg="http://schemas.microsoft.com/office/drawing/2016/SVG/main" r:embed="rId4"/>
-              </a:ext>
-            </a:extLst>
-          </a:blip>
-          <a:stretch>
-            <a:fillRect/>
-          </a:stretch>
-        </p:blipFill>
-        <p:spPr>
-          <a:xfrm>
-            <a:off x="639966" y="2447148"/>
-            <a:ext cx="457200" cy="457200"/>
-          </a:xfrm>
-          <a:prstGeom prst="rect">
-            <a:avLst/>
-          </a:prstGeom>
-        </p:spPr>
-      </p:pic>
       <p:sp>
         <p:nvSpPr>
           <p:cNvPr id="8" name="Rectangle 7">
@@ -9302,6 +8801,75 @@
           </a:p>
         </p:txBody>
       </p:sp>
+      <p:pic>
+        <p:nvPicPr>
+          <p:cNvPr id="3" name="Picture 2">
+            <a:extLst>
+              <a:ext uri="{FF2B5EF4-FFF2-40B4-BE49-F238E27FC236}">
+                <a16:creationId xmlns:a16="http://schemas.microsoft.com/office/drawing/2014/main" id="{BB02513E-6211-41DA-B55A-900B5EBD0146}"/>
+              </a:ext>
+            </a:extLst>
+          </p:cNvPr>
+          <p:cNvPicPr>
+            <a:picLocks noChangeAspect="1"/>
+          </p:cNvPicPr>
+          <p:nvPr/>
+        </p:nvPicPr>
+        <p:blipFill>
+          <a:blip r:embed="rId2"/>
+          <a:stretch>
+            <a:fillRect/>
+          </a:stretch>
+        </p:blipFill>
+        <p:spPr>
+          <a:xfrm>
+            <a:off x="167389" y="129953"/>
+            <a:ext cx="5774252" cy="6598094"/>
+          </a:xfrm>
+          <a:prstGeom prst="rect">
+            <a:avLst/>
+          </a:prstGeom>
+        </p:spPr>
+      </p:pic>
+      <p:pic>
+        <p:nvPicPr>
+          <p:cNvPr id="9" name="Graphic 8" descr="Target">
+            <a:extLst>
+              <a:ext uri="{FF2B5EF4-FFF2-40B4-BE49-F238E27FC236}">
+                <a16:creationId xmlns:a16="http://schemas.microsoft.com/office/drawing/2014/main" id="{DD24A256-6671-4C50-8666-6A4AF4C398B3}"/>
+              </a:ext>
+            </a:extLst>
+          </p:cNvPr>
+          <p:cNvPicPr>
+            <a:picLocks noChangeAspect="1"/>
+          </p:cNvPicPr>
+          <p:nvPr/>
+        </p:nvPicPr>
+        <p:blipFill>
+          <a:blip r:embed="rId3">
+            <a:extLst>
+              <a:ext uri="{28A0092B-C50C-407E-A947-70E740481C1C}">
+                <a14:useLocalDpi xmlns:a14="http://schemas.microsoft.com/office/drawing/2010/main" val="0"/>
+              </a:ext>
+              <a:ext uri="{96DAC541-7B7A-43D3-8B79-37D633B846F1}">
+                <asvg:svgBlip xmlns:asvg="http://schemas.microsoft.com/office/drawing/2016/SVG/main" r:embed="rId4"/>
+              </a:ext>
+            </a:extLst>
+          </a:blip>
+          <a:stretch>
+            <a:fillRect/>
+          </a:stretch>
+        </p:blipFill>
+        <p:spPr>
+          <a:xfrm>
+            <a:off x="371518" y="2447148"/>
+            <a:ext cx="457200" cy="457200"/>
+          </a:xfrm>
+          <a:prstGeom prst="rect">
+            <a:avLst/>
+          </a:prstGeom>
+        </p:spPr>
+      </p:pic>
     </p:spTree>
     <p:extLst>
       <p:ext uri="{BB962C8B-B14F-4D97-AF65-F5344CB8AC3E}">
@@ -9400,7 +8968,7 @@
             </a:r>
             <a:r>
               <a:rPr lang="pt-BR" sz="1600" dirty="0"/>
-              <a:t>Gerente administrativo</a:t>
+              <a:t>Administrador</a:t>
             </a:r>
           </a:p>
           <a:p>
@@ -9439,75 +9007,6 @@
           </a:p>
         </p:txBody>
       </p:sp>
-      <p:pic>
-        <p:nvPicPr>
-          <p:cNvPr id="2" name="Picture 1">
-            <a:extLst>
-              <a:ext uri="{FF2B5EF4-FFF2-40B4-BE49-F238E27FC236}">
-                <a16:creationId xmlns:a16="http://schemas.microsoft.com/office/drawing/2014/main" id="{E19D4AE9-3A56-4C25-B3E5-B9A118E6E65F}"/>
-              </a:ext>
-            </a:extLst>
-          </p:cNvPr>
-          <p:cNvPicPr>
-            <a:picLocks noChangeAspect="1"/>
-          </p:cNvPicPr>
-          <p:nvPr/>
-        </p:nvPicPr>
-        <p:blipFill>
-          <a:blip r:embed="rId2"/>
-          <a:stretch>
-            <a:fillRect/>
-          </a:stretch>
-        </p:blipFill>
-        <p:spPr>
-          <a:xfrm>
-            <a:off x="183431" y="275490"/>
-            <a:ext cx="5672085" cy="6307020"/>
-          </a:xfrm>
-          <a:prstGeom prst="rect">
-            <a:avLst/>
-          </a:prstGeom>
-        </p:spPr>
-      </p:pic>
-      <p:pic>
-        <p:nvPicPr>
-          <p:cNvPr id="7" name="Graphic 6" descr="Target">
-            <a:extLst>
-              <a:ext uri="{FF2B5EF4-FFF2-40B4-BE49-F238E27FC236}">
-                <a16:creationId xmlns:a16="http://schemas.microsoft.com/office/drawing/2014/main" id="{4AFAB691-D1B0-40C5-A89D-78487C62326A}"/>
-              </a:ext>
-            </a:extLst>
-          </p:cNvPr>
-          <p:cNvPicPr>
-            <a:picLocks noChangeAspect="1"/>
-          </p:cNvPicPr>
-          <p:nvPr/>
-        </p:nvPicPr>
-        <p:blipFill>
-          <a:blip r:embed="rId3">
-            <a:extLst>
-              <a:ext uri="{28A0092B-C50C-407E-A947-70E740481C1C}">
-                <a14:useLocalDpi xmlns:a14="http://schemas.microsoft.com/office/drawing/2010/main" val="0"/>
-              </a:ext>
-              <a:ext uri="{96DAC541-7B7A-43D3-8B79-37D633B846F1}">
-                <asvg:svgBlip xmlns:asvg="http://schemas.microsoft.com/office/drawing/2016/SVG/main" r:embed="rId4"/>
-              </a:ext>
-            </a:extLst>
-          </a:blip>
-          <a:stretch>
-            <a:fillRect/>
-          </a:stretch>
-        </p:blipFill>
-        <p:spPr>
-          <a:xfrm>
-            <a:off x="2217096" y="2489093"/>
-            <a:ext cx="457200" cy="457200"/>
-          </a:xfrm>
-          <a:prstGeom prst="rect">
-            <a:avLst/>
-          </a:prstGeom>
-        </p:spPr>
-      </p:pic>
       <p:sp>
         <p:nvSpPr>
           <p:cNvPr id="3" name="Rectangle 2">
@@ -9560,6 +9059,75 @@
           </a:p>
         </p:txBody>
       </p:sp>
+      <p:pic>
+        <p:nvPicPr>
+          <p:cNvPr id="6" name="Picture 5">
+            <a:extLst>
+              <a:ext uri="{FF2B5EF4-FFF2-40B4-BE49-F238E27FC236}">
+                <a16:creationId xmlns:a16="http://schemas.microsoft.com/office/drawing/2014/main" id="{31A6D195-8175-400C-BEE4-26420A68D2AF}"/>
+              </a:ext>
+            </a:extLst>
+          </p:cNvPr>
+          <p:cNvPicPr>
+            <a:picLocks noChangeAspect="1"/>
+          </p:cNvPicPr>
+          <p:nvPr/>
+        </p:nvPicPr>
+        <p:blipFill>
+          <a:blip r:embed="rId2"/>
+          <a:stretch>
+            <a:fillRect/>
+          </a:stretch>
+        </p:blipFill>
+        <p:spPr>
+          <a:xfrm>
+            <a:off x="167389" y="129953"/>
+            <a:ext cx="5774252" cy="6598094"/>
+          </a:xfrm>
+          <a:prstGeom prst="rect">
+            <a:avLst/>
+          </a:prstGeom>
+        </p:spPr>
+      </p:pic>
+      <p:pic>
+        <p:nvPicPr>
+          <p:cNvPr id="8" name="Graphic 7" descr="Target">
+            <a:extLst>
+              <a:ext uri="{FF2B5EF4-FFF2-40B4-BE49-F238E27FC236}">
+                <a16:creationId xmlns:a16="http://schemas.microsoft.com/office/drawing/2014/main" id="{33A5D97C-6357-4F7C-8355-C5C68F4A2269}"/>
+              </a:ext>
+            </a:extLst>
+          </p:cNvPr>
+          <p:cNvPicPr>
+            <a:picLocks noChangeAspect="1"/>
+          </p:cNvPicPr>
+          <p:nvPr/>
+        </p:nvPicPr>
+        <p:blipFill>
+          <a:blip r:embed="rId3">
+            <a:extLst>
+              <a:ext uri="{28A0092B-C50C-407E-A947-70E740481C1C}">
+                <a14:useLocalDpi xmlns:a14="http://schemas.microsoft.com/office/drawing/2010/main" val="0"/>
+              </a:ext>
+              <a:ext uri="{96DAC541-7B7A-43D3-8B79-37D633B846F1}">
+                <asvg:svgBlip xmlns:asvg="http://schemas.microsoft.com/office/drawing/2016/SVG/main" r:embed="rId4"/>
+              </a:ext>
+            </a:extLst>
+          </a:blip>
+          <a:stretch>
+            <a:fillRect/>
+          </a:stretch>
+        </p:blipFill>
+        <p:spPr>
+          <a:xfrm>
+            <a:off x="1915093" y="1723938"/>
+            <a:ext cx="457200" cy="457200"/>
+          </a:xfrm>
+          <a:prstGeom prst="rect">
+            <a:avLst/>
+          </a:prstGeom>
+        </p:spPr>
+      </p:pic>
     </p:spTree>
     <p:extLst>
       <p:ext uri="{BB962C8B-B14F-4D97-AF65-F5344CB8AC3E}">
@@ -9658,7 +9226,7 @@
             </a:r>
             <a:r>
               <a:rPr lang="pt-BR" sz="1600" dirty="0"/>
-              <a:t>Gerente administrativo</a:t>
+              <a:t>Administrador</a:t>
             </a:r>
           </a:p>
           <a:p>
@@ -9709,75 +9277,6 @@
           </a:p>
         </p:txBody>
       </p:sp>
-      <p:pic>
-        <p:nvPicPr>
-          <p:cNvPr id="2" name="Picture 1">
-            <a:extLst>
-              <a:ext uri="{FF2B5EF4-FFF2-40B4-BE49-F238E27FC236}">
-                <a16:creationId xmlns:a16="http://schemas.microsoft.com/office/drawing/2014/main" id="{E19D4AE9-3A56-4C25-B3E5-B9A118E6E65F}"/>
-              </a:ext>
-            </a:extLst>
-          </p:cNvPr>
-          <p:cNvPicPr>
-            <a:picLocks noChangeAspect="1"/>
-          </p:cNvPicPr>
-          <p:nvPr/>
-        </p:nvPicPr>
-        <p:blipFill>
-          <a:blip r:embed="rId2"/>
-          <a:stretch>
-            <a:fillRect/>
-          </a:stretch>
-        </p:blipFill>
-        <p:spPr>
-          <a:xfrm>
-            <a:off x="183431" y="275490"/>
-            <a:ext cx="5672085" cy="6307020"/>
-          </a:xfrm>
-          <a:prstGeom prst="rect">
-            <a:avLst/>
-          </a:prstGeom>
-        </p:spPr>
-      </p:pic>
-      <p:pic>
-        <p:nvPicPr>
-          <p:cNvPr id="7" name="Graphic 6" descr="Target">
-            <a:extLst>
-              <a:ext uri="{FF2B5EF4-FFF2-40B4-BE49-F238E27FC236}">
-                <a16:creationId xmlns:a16="http://schemas.microsoft.com/office/drawing/2014/main" id="{4AFAB691-D1B0-40C5-A89D-78487C62326A}"/>
-              </a:ext>
-            </a:extLst>
-          </p:cNvPr>
-          <p:cNvPicPr>
-            <a:picLocks noChangeAspect="1"/>
-          </p:cNvPicPr>
-          <p:nvPr/>
-        </p:nvPicPr>
-        <p:blipFill>
-          <a:blip r:embed="rId3">
-            <a:extLst>
-              <a:ext uri="{28A0092B-C50C-407E-A947-70E740481C1C}">
-                <a14:useLocalDpi xmlns:a14="http://schemas.microsoft.com/office/drawing/2010/main" val="0"/>
-              </a:ext>
-              <a:ext uri="{96DAC541-7B7A-43D3-8B79-37D633B846F1}">
-                <asvg:svgBlip xmlns:asvg="http://schemas.microsoft.com/office/drawing/2016/SVG/main" r:embed="rId4"/>
-              </a:ext>
-            </a:extLst>
-          </a:blip>
-          <a:stretch>
-            <a:fillRect/>
-          </a:stretch>
-        </p:blipFill>
-        <p:spPr>
-          <a:xfrm>
-            <a:off x="3718726" y="2480704"/>
-            <a:ext cx="457200" cy="457200"/>
-          </a:xfrm>
-          <a:prstGeom prst="rect">
-            <a:avLst/>
-          </a:prstGeom>
-        </p:spPr>
-      </p:pic>
       <p:sp>
         <p:nvSpPr>
           <p:cNvPr id="6" name="Rectangle 5">
@@ -9830,6 +9329,75 @@
           </a:p>
         </p:txBody>
       </p:sp>
+      <p:pic>
+        <p:nvPicPr>
+          <p:cNvPr id="8" name="Picture 7">
+            <a:extLst>
+              <a:ext uri="{FF2B5EF4-FFF2-40B4-BE49-F238E27FC236}">
+                <a16:creationId xmlns:a16="http://schemas.microsoft.com/office/drawing/2014/main" id="{A8A2F9D6-5430-4B38-B95A-9B1F0FFFC38C}"/>
+              </a:ext>
+            </a:extLst>
+          </p:cNvPr>
+          <p:cNvPicPr>
+            <a:picLocks noChangeAspect="1"/>
+          </p:cNvPicPr>
+          <p:nvPr/>
+        </p:nvPicPr>
+        <p:blipFill>
+          <a:blip r:embed="rId2"/>
+          <a:stretch>
+            <a:fillRect/>
+          </a:stretch>
+        </p:blipFill>
+        <p:spPr>
+          <a:xfrm>
+            <a:off x="167389" y="129953"/>
+            <a:ext cx="5774252" cy="6598094"/>
+          </a:xfrm>
+          <a:prstGeom prst="rect">
+            <a:avLst/>
+          </a:prstGeom>
+        </p:spPr>
+      </p:pic>
+      <p:pic>
+        <p:nvPicPr>
+          <p:cNvPr id="9" name="Graphic 8" descr="Target">
+            <a:extLst>
+              <a:ext uri="{FF2B5EF4-FFF2-40B4-BE49-F238E27FC236}">
+                <a16:creationId xmlns:a16="http://schemas.microsoft.com/office/drawing/2014/main" id="{AF13511E-35BF-4753-83B9-CE7C2A4BAAF0}"/>
+              </a:ext>
+            </a:extLst>
+          </p:cNvPr>
+          <p:cNvPicPr>
+            <a:picLocks noChangeAspect="1"/>
+          </p:cNvPicPr>
+          <p:nvPr/>
+        </p:nvPicPr>
+        <p:blipFill>
+          <a:blip r:embed="rId3">
+            <a:extLst>
+              <a:ext uri="{28A0092B-C50C-407E-A947-70E740481C1C}">
+                <a14:useLocalDpi xmlns:a14="http://schemas.microsoft.com/office/drawing/2010/main" val="0"/>
+              </a:ext>
+              <a:ext uri="{96DAC541-7B7A-43D3-8B79-37D633B846F1}">
+                <asvg:svgBlip xmlns:asvg="http://schemas.microsoft.com/office/drawing/2016/SVG/main" r:embed="rId4"/>
+              </a:ext>
+            </a:extLst>
+          </a:blip>
+          <a:stretch>
+            <a:fillRect/>
+          </a:stretch>
+        </p:blipFill>
+        <p:spPr>
+          <a:xfrm>
+            <a:off x="3232164" y="2078372"/>
+            <a:ext cx="457200" cy="457200"/>
+          </a:xfrm>
+          <a:prstGeom prst="rect">
+            <a:avLst/>
+          </a:prstGeom>
+        </p:spPr>
+      </p:pic>
     </p:spTree>
     <p:extLst>
       <p:ext uri="{BB962C8B-B14F-4D97-AF65-F5344CB8AC3E}">
@@ -9928,7 +9496,7 @@
             </a:r>
             <a:r>
               <a:rPr lang="pt-BR" sz="1600" dirty="0"/>
-              <a:t>Auxiliar administrativo</a:t>
+              <a:t>Administrador</a:t>
             </a:r>
           </a:p>
           <a:p>
@@ -9959,75 +9527,6 @@
           </a:p>
         </p:txBody>
       </p:sp>
-      <p:pic>
-        <p:nvPicPr>
-          <p:cNvPr id="2" name="Picture 1">
-            <a:extLst>
-              <a:ext uri="{FF2B5EF4-FFF2-40B4-BE49-F238E27FC236}">
-                <a16:creationId xmlns:a16="http://schemas.microsoft.com/office/drawing/2014/main" id="{E19D4AE9-3A56-4C25-B3E5-B9A118E6E65F}"/>
-              </a:ext>
-            </a:extLst>
-          </p:cNvPr>
-          <p:cNvPicPr>
-            <a:picLocks noChangeAspect="1"/>
-          </p:cNvPicPr>
-          <p:nvPr/>
-        </p:nvPicPr>
-        <p:blipFill>
-          <a:blip r:embed="rId2"/>
-          <a:stretch>
-            <a:fillRect/>
-          </a:stretch>
-        </p:blipFill>
-        <p:spPr>
-          <a:xfrm>
-            <a:off x="183431" y="275490"/>
-            <a:ext cx="5672085" cy="6307020"/>
-          </a:xfrm>
-          <a:prstGeom prst="rect">
-            <a:avLst/>
-          </a:prstGeom>
-        </p:spPr>
-      </p:pic>
-      <p:pic>
-        <p:nvPicPr>
-          <p:cNvPr id="7" name="Graphic 6" descr="Target">
-            <a:extLst>
-              <a:ext uri="{FF2B5EF4-FFF2-40B4-BE49-F238E27FC236}">
-                <a16:creationId xmlns:a16="http://schemas.microsoft.com/office/drawing/2014/main" id="{4AFAB691-D1B0-40C5-A89D-78487C62326A}"/>
-              </a:ext>
-            </a:extLst>
-          </p:cNvPr>
-          <p:cNvPicPr>
-            <a:picLocks noChangeAspect="1"/>
-          </p:cNvPicPr>
-          <p:nvPr/>
-        </p:nvPicPr>
-        <p:blipFill>
-          <a:blip r:embed="rId3">
-            <a:extLst>
-              <a:ext uri="{28A0092B-C50C-407E-A947-70E740481C1C}">
-                <a14:useLocalDpi xmlns:a14="http://schemas.microsoft.com/office/drawing/2010/main" val="0"/>
-              </a:ext>
-              <a:ext uri="{96DAC541-7B7A-43D3-8B79-37D633B846F1}">
-                <asvg:svgBlip xmlns:asvg="http://schemas.microsoft.com/office/drawing/2016/SVG/main" r:embed="rId4"/>
-              </a:ext>
-            </a:extLst>
-          </a:blip>
-          <a:stretch>
-            <a:fillRect/>
-          </a:stretch>
-        </p:blipFill>
-        <p:spPr>
-          <a:xfrm>
-            <a:off x="5228744" y="2539427"/>
-            <a:ext cx="457200" cy="457200"/>
-          </a:xfrm>
-          <a:prstGeom prst="rect">
-            <a:avLst/>
-          </a:prstGeom>
-        </p:spPr>
-      </p:pic>
       <p:sp>
         <p:nvSpPr>
           <p:cNvPr id="6" name="Rectangle 5">
@@ -10080,6 +9579,75 @@
           </a:p>
         </p:txBody>
       </p:sp>
+      <p:pic>
+        <p:nvPicPr>
+          <p:cNvPr id="8" name="Picture 7">
+            <a:extLst>
+              <a:ext uri="{FF2B5EF4-FFF2-40B4-BE49-F238E27FC236}">
+                <a16:creationId xmlns:a16="http://schemas.microsoft.com/office/drawing/2014/main" id="{C337D86E-7EBD-429D-AFA4-5D29C73CE3C4}"/>
+              </a:ext>
+            </a:extLst>
+          </p:cNvPr>
+          <p:cNvPicPr>
+            <a:picLocks noChangeAspect="1"/>
+          </p:cNvPicPr>
+          <p:nvPr/>
+        </p:nvPicPr>
+        <p:blipFill>
+          <a:blip r:embed="rId2"/>
+          <a:stretch>
+            <a:fillRect/>
+          </a:stretch>
+        </p:blipFill>
+        <p:spPr>
+          <a:xfrm>
+            <a:off x="167389" y="129953"/>
+            <a:ext cx="5774252" cy="6598094"/>
+          </a:xfrm>
+          <a:prstGeom prst="rect">
+            <a:avLst/>
+          </a:prstGeom>
+        </p:spPr>
+      </p:pic>
+      <p:pic>
+        <p:nvPicPr>
+          <p:cNvPr id="9" name="Graphic 8" descr="Target">
+            <a:extLst>
+              <a:ext uri="{FF2B5EF4-FFF2-40B4-BE49-F238E27FC236}">
+                <a16:creationId xmlns:a16="http://schemas.microsoft.com/office/drawing/2014/main" id="{BAC62A78-5D47-49B2-93A6-8B6C27EC7C1E}"/>
+              </a:ext>
+            </a:extLst>
+          </p:cNvPr>
+          <p:cNvPicPr>
+            <a:picLocks noChangeAspect="1"/>
+          </p:cNvPicPr>
+          <p:nvPr/>
+        </p:nvPicPr>
+        <p:blipFill>
+          <a:blip r:embed="rId3">
+            <a:extLst>
+              <a:ext uri="{28A0092B-C50C-407E-A947-70E740481C1C}">
+                <a14:useLocalDpi xmlns:a14="http://schemas.microsoft.com/office/drawing/2010/main" val="0"/>
+              </a:ext>
+              <a:ext uri="{96DAC541-7B7A-43D3-8B79-37D633B846F1}">
+                <asvg:svgBlip xmlns:asvg="http://schemas.microsoft.com/office/drawing/2016/SVG/main" r:embed="rId4"/>
+              </a:ext>
+            </a:extLst>
+          </a:blip>
+          <a:stretch>
+            <a:fillRect/>
+          </a:stretch>
+        </p:blipFill>
+        <p:spPr>
+          <a:xfrm>
+            <a:off x="5321023" y="2455537"/>
+            <a:ext cx="457200" cy="457200"/>
+          </a:xfrm>
+          <a:prstGeom prst="rect">
+            <a:avLst/>
+          </a:prstGeom>
+        </p:spPr>
+      </p:pic>
     </p:spTree>
     <p:extLst>
       <p:ext uri="{BB962C8B-B14F-4D97-AF65-F5344CB8AC3E}">
@@ -10209,75 +9777,6 @@
           </a:p>
         </p:txBody>
       </p:sp>
-      <p:pic>
-        <p:nvPicPr>
-          <p:cNvPr id="2" name="Picture 1">
-            <a:extLst>
-              <a:ext uri="{FF2B5EF4-FFF2-40B4-BE49-F238E27FC236}">
-                <a16:creationId xmlns:a16="http://schemas.microsoft.com/office/drawing/2014/main" id="{E19D4AE9-3A56-4C25-B3E5-B9A118E6E65F}"/>
-              </a:ext>
-            </a:extLst>
-          </p:cNvPr>
-          <p:cNvPicPr>
-            <a:picLocks noChangeAspect="1"/>
-          </p:cNvPicPr>
-          <p:nvPr/>
-        </p:nvPicPr>
-        <p:blipFill>
-          <a:blip r:embed="rId2"/>
-          <a:stretch>
-            <a:fillRect/>
-          </a:stretch>
-        </p:blipFill>
-        <p:spPr>
-          <a:xfrm>
-            <a:off x="183431" y="275490"/>
-            <a:ext cx="5672085" cy="6307020"/>
-          </a:xfrm>
-          <a:prstGeom prst="rect">
-            <a:avLst/>
-          </a:prstGeom>
-        </p:spPr>
-      </p:pic>
-      <p:pic>
-        <p:nvPicPr>
-          <p:cNvPr id="7" name="Graphic 6" descr="Target">
-            <a:extLst>
-              <a:ext uri="{FF2B5EF4-FFF2-40B4-BE49-F238E27FC236}">
-                <a16:creationId xmlns:a16="http://schemas.microsoft.com/office/drawing/2014/main" id="{4AFAB691-D1B0-40C5-A89D-78487C62326A}"/>
-              </a:ext>
-            </a:extLst>
-          </p:cNvPr>
-          <p:cNvPicPr>
-            <a:picLocks noChangeAspect="1"/>
-          </p:cNvPicPr>
-          <p:nvPr/>
-        </p:nvPicPr>
-        <p:blipFill>
-          <a:blip r:embed="rId3">
-            <a:extLst>
-              <a:ext uri="{28A0092B-C50C-407E-A947-70E740481C1C}">
-                <a14:useLocalDpi xmlns:a14="http://schemas.microsoft.com/office/drawing/2010/main" val="0"/>
-              </a:ext>
-              <a:ext uri="{96DAC541-7B7A-43D3-8B79-37D633B846F1}">
-                <asvg:svgBlip xmlns:asvg="http://schemas.microsoft.com/office/drawing/2016/SVG/main" r:embed="rId4"/>
-              </a:ext>
-            </a:extLst>
-          </a:blip>
-          <a:stretch>
-            <a:fillRect/>
-          </a:stretch>
-        </p:blipFill>
-        <p:spPr>
-          <a:xfrm>
-            <a:off x="2854660" y="4891624"/>
-            <a:ext cx="457200" cy="457200"/>
-          </a:xfrm>
-          <a:prstGeom prst="rect">
-            <a:avLst/>
-          </a:prstGeom>
-        </p:spPr>
-      </p:pic>
       <p:sp>
         <p:nvSpPr>
           <p:cNvPr id="6" name="Rectangle 5">
@@ -10330,6 +9829,75 @@
           </a:p>
         </p:txBody>
       </p:sp>
+      <p:pic>
+        <p:nvPicPr>
+          <p:cNvPr id="8" name="Picture 7">
+            <a:extLst>
+              <a:ext uri="{FF2B5EF4-FFF2-40B4-BE49-F238E27FC236}">
+                <a16:creationId xmlns:a16="http://schemas.microsoft.com/office/drawing/2014/main" id="{3B83AEEF-3AB0-4754-A2C0-AC2ED968E2D7}"/>
+              </a:ext>
+            </a:extLst>
+          </p:cNvPr>
+          <p:cNvPicPr>
+            <a:picLocks noChangeAspect="1"/>
+          </p:cNvPicPr>
+          <p:nvPr/>
+        </p:nvPicPr>
+        <p:blipFill>
+          <a:blip r:embed="rId2"/>
+          <a:stretch>
+            <a:fillRect/>
+          </a:stretch>
+        </p:blipFill>
+        <p:spPr>
+          <a:xfrm>
+            <a:off x="167389" y="129953"/>
+            <a:ext cx="5774252" cy="6598094"/>
+          </a:xfrm>
+          <a:prstGeom prst="rect">
+            <a:avLst/>
+          </a:prstGeom>
+        </p:spPr>
+      </p:pic>
+      <p:pic>
+        <p:nvPicPr>
+          <p:cNvPr id="9" name="Graphic 8" descr="Target">
+            <a:extLst>
+              <a:ext uri="{FF2B5EF4-FFF2-40B4-BE49-F238E27FC236}">
+                <a16:creationId xmlns:a16="http://schemas.microsoft.com/office/drawing/2014/main" id="{29307988-16EC-4B5E-98E1-2AE45F406072}"/>
+              </a:ext>
+            </a:extLst>
+          </p:cNvPr>
+          <p:cNvPicPr>
+            <a:picLocks noChangeAspect="1"/>
+          </p:cNvPicPr>
+          <p:nvPr/>
+        </p:nvPicPr>
+        <p:blipFill>
+          <a:blip r:embed="rId3">
+            <a:extLst>
+              <a:ext uri="{28A0092B-C50C-407E-A947-70E740481C1C}">
+                <a14:useLocalDpi xmlns:a14="http://schemas.microsoft.com/office/drawing/2010/main" val="0"/>
+              </a:ext>
+              <a:ext uri="{96DAC541-7B7A-43D3-8B79-37D633B846F1}">
+                <asvg:svgBlip xmlns:asvg="http://schemas.microsoft.com/office/drawing/2016/SVG/main" r:embed="rId4"/>
+              </a:ext>
+            </a:extLst>
+          </a:blip>
+          <a:stretch>
+            <a:fillRect/>
+          </a:stretch>
+        </p:blipFill>
+        <p:spPr>
+          <a:xfrm>
+            <a:off x="2824951" y="4989012"/>
+            <a:ext cx="457200" cy="457200"/>
+          </a:xfrm>
+          <a:prstGeom prst="rect">
+            <a:avLst/>
+          </a:prstGeom>
+        </p:spPr>
+      </p:pic>
     </p:spTree>
     <p:extLst>
       <p:ext uri="{BB962C8B-B14F-4D97-AF65-F5344CB8AC3E}">
@@ -10626,7 +10194,7 @@
             </a:r>
             <a:r>
               <a:rPr lang="pt-BR" sz="1600" dirty="0"/>
-              <a:t>Responsável técnico</a:t>
+              <a:t>Técnico operacional</a:t>
             </a:r>
           </a:p>
           <a:p>
@@ -10844,7 +10412,7 @@
             </a:r>
             <a:r>
               <a:rPr lang="pt-BR" sz="1600" dirty="0"/>
-              <a:t>Auxiliar técnico</a:t>
+              <a:t>Técnico operacional</a:t>
             </a:r>
           </a:p>
           <a:p>
@@ -10877,10 +10445,10 @@
       </p:sp>
       <p:pic>
         <p:nvPicPr>
-          <p:cNvPr id="2" name="Picture 1">
-            <a:extLst>
-              <a:ext uri="{FF2B5EF4-FFF2-40B4-BE49-F238E27FC236}">
-                <a16:creationId xmlns:a16="http://schemas.microsoft.com/office/drawing/2014/main" id="{76148EF9-7A27-491D-9D86-BA61B0199B60}"/>
+          <p:cNvPr id="3" name="Picture 2">
+            <a:extLst>
+              <a:ext uri="{FF2B5EF4-FFF2-40B4-BE49-F238E27FC236}">
+                <a16:creationId xmlns:a16="http://schemas.microsoft.com/office/drawing/2014/main" id="{60142DF8-8108-4807-BDED-A0FBE923E120}"/>
               </a:ext>
             </a:extLst>
           </p:cNvPr>
@@ -10897,8 +10465,8 @@
         </p:blipFill>
         <p:spPr>
           <a:xfrm>
-            <a:off x="1033910" y="377504"/>
-            <a:ext cx="2410150" cy="6102991"/>
+            <a:off x="1768286" y="200126"/>
+            <a:ext cx="1597869" cy="6457748"/>
           </a:xfrm>
           <a:prstGeom prst="rect">
             <a:avLst/>
@@ -10907,10 +10475,10 @@
       </p:pic>
       <p:pic>
         <p:nvPicPr>
-          <p:cNvPr id="7" name="Graphic 6" descr="Target">
-            <a:extLst>
-              <a:ext uri="{FF2B5EF4-FFF2-40B4-BE49-F238E27FC236}">
-                <a16:creationId xmlns:a16="http://schemas.microsoft.com/office/drawing/2014/main" id="{2EC62234-DC05-4E74-A741-C3F0BFB057D0}"/>
+          <p:cNvPr id="6" name="Graphic 5" descr="Target">
+            <a:extLst>
+              <a:ext uri="{FF2B5EF4-FFF2-40B4-BE49-F238E27FC236}">
+                <a16:creationId xmlns:a16="http://schemas.microsoft.com/office/drawing/2014/main" id="{55E31E5C-B388-42D7-8B44-C30D9A45AF87}"/>
               </a:ext>
             </a:extLst>
           </p:cNvPr>
@@ -10936,7 +10504,7 @@
         </p:blipFill>
         <p:spPr>
           <a:xfrm>
-            <a:off x="1688590" y="2447148"/>
+            <a:off x="1915093" y="2438759"/>
             <a:ext cx="457200" cy="457200"/>
           </a:xfrm>
           <a:prstGeom prst="rect">
@@ -10988,8 +10556,8 @@
         </p:nvSpPr>
         <p:spPr>
           <a:xfrm>
-            <a:off x="6250360" y="3304342"/>
-            <a:ext cx="5488367" cy="2062103"/>
+            <a:off x="6468473" y="4285854"/>
+            <a:ext cx="5488367" cy="2308324"/>
           </a:xfrm>
           <a:prstGeom prst="rect">
             <a:avLst/>
@@ -11042,7 +10610,7 @@
             </a:r>
             <a:r>
               <a:rPr lang="pt-BR" sz="1600" dirty="0"/>
-              <a:t>Auxiliar administrativo</a:t>
+              <a:t>Administrador</a:t>
             </a:r>
           </a:p>
           <a:p>
@@ -11055,6 +10623,16 @@
             </a:pPr>
             <a:r>
               <a:rPr lang="pt-BR" sz="1600" dirty="0"/>
+              <a:t>Recebe relatório técnico e de custo</a:t>
+            </a:r>
+          </a:p>
+          <a:p>
+            <a:pPr marL="285750" indent="-285750">
+              <a:buFont typeface="Arial" panose="020B0604020202020204" pitchFamily="34" charset="0"/>
+              <a:buChar char="•"/>
+            </a:pPr>
+            <a:r>
+              <a:rPr lang="pt-BR" sz="1600" dirty="0"/>
               <a:t>Armazena dados técnicos no repositório de Resultado da análise.</a:t>
             </a:r>
           </a:p>
@@ -11065,10 +10643,10 @@
       </p:sp>
       <p:pic>
         <p:nvPicPr>
-          <p:cNvPr id="2" name="Picture 1">
-            <a:extLst>
-              <a:ext uri="{FF2B5EF4-FFF2-40B4-BE49-F238E27FC236}">
-                <a16:creationId xmlns:a16="http://schemas.microsoft.com/office/drawing/2014/main" id="{C1A83565-E569-485B-ADAF-C32B0F35EDF9}"/>
+          <p:cNvPr id="9" name="Picture 8">
+            <a:extLst>
+              <a:ext uri="{FF2B5EF4-FFF2-40B4-BE49-F238E27FC236}">
+                <a16:creationId xmlns:a16="http://schemas.microsoft.com/office/drawing/2014/main" id="{450986CB-ECAF-4D78-98BB-CAA59D8BF21C}"/>
               </a:ext>
             </a:extLst>
           </p:cNvPr>
@@ -11085,8 +10663,8 @@
         </p:blipFill>
         <p:spPr>
           <a:xfrm>
-            <a:off x="190581" y="682750"/>
-            <a:ext cx="5905419" cy="5709659"/>
+            <a:off x="58723" y="112499"/>
+            <a:ext cx="6124793" cy="6633002"/>
           </a:xfrm>
           <a:prstGeom prst="rect">
             <a:avLst/>
@@ -11095,10 +10673,10 @@
       </p:pic>
       <p:pic>
         <p:nvPicPr>
-          <p:cNvPr id="6" name="Graphic 5" descr="Target">
-            <a:extLst>
-              <a:ext uri="{FF2B5EF4-FFF2-40B4-BE49-F238E27FC236}">
-                <a16:creationId xmlns:a16="http://schemas.microsoft.com/office/drawing/2014/main" id="{53AD6DDA-DBBE-4300-AA63-37D49C606A90}"/>
+          <p:cNvPr id="10" name="Graphic 9" descr="Target">
+            <a:extLst>
+              <a:ext uri="{FF2B5EF4-FFF2-40B4-BE49-F238E27FC236}">
+                <a16:creationId xmlns:a16="http://schemas.microsoft.com/office/drawing/2014/main" id="{CDB8A9DB-F96C-4DE8-97D0-A70549AFED34}"/>
               </a:ext>
             </a:extLst>
           </p:cNvPr>
@@ -11124,7 +10702,7 @@
         </p:blipFill>
         <p:spPr>
           <a:xfrm>
-            <a:off x="5396524" y="2455538"/>
+            <a:off x="5726316" y="1306246"/>
             <a:ext cx="457200" cy="457200"/>
           </a:xfrm>
           <a:prstGeom prst="rect">
@@ -11263,10 +10841,10 @@
       </p:sp>
       <p:pic>
         <p:nvPicPr>
-          <p:cNvPr id="2" name="Picture 1">
-            <a:extLst>
-              <a:ext uri="{FF2B5EF4-FFF2-40B4-BE49-F238E27FC236}">
-                <a16:creationId xmlns:a16="http://schemas.microsoft.com/office/drawing/2014/main" id="{76148EF9-7A27-491D-9D86-BA61B0199B60}"/>
+          <p:cNvPr id="6" name="Picture 5">
+            <a:extLst>
+              <a:ext uri="{FF2B5EF4-FFF2-40B4-BE49-F238E27FC236}">
+                <a16:creationId xmlns:a16="http://schemas.microsoft.com/office/drawing/2014/main" id="{1EA0169E-1543-4B17-961C-EEADA956E984}"/>
               </a:ext>
             </a:extLst>
           </p:cNvPr>
@@ -11283,8 +10861,8 @@
         </p:blipFill>
         <p:spPr>
           <a:xfrm>
-            <a:off x="1033910" y="377504"/>
-            <a:ext cx="2410150" cy="6102991"/>
+            <a:off x="1768286" y="200126"/>
+            <a:ext cx="1597869" cy="6457748"/>
           </a:xfrm>
           <a:prstGeom prst="rect">
             <a:avLst/>
@@ -11293,10 +10871,10 @@
       </p:pic>
       <p:pic>
         <p:nvPicPr>
-          <p:cNvPr id="7" name="Graphic 6" descr="Target">
-            <a:extLst>
-              <a:ext uri="{FF2B5EF4-FFF2-40B4-BE49-F238E27FC236}">
-                <a16:creationId xmlns:a16="http://schemas.microsoft.com/office/drawing/2014/main" id="{2EC62234-DC05-4E74-A741-C3F0BFB057D0}"/>
+          <p:cNvPr id="8" name="Graphic 7" descr="Target">
+            <a:extLst>
+              <a:ext uri="{FF2B5EF4-FFF2-40B4-BE49-F238E27FC236}">
+                <a16:creationId xmlns:a16="http://schemas.microsoft.com/office/drawing/2014/main" id="{CB34D63E-4C09-473F-8D92-D1253C98FF77}"/>
               </a:ext>
             </a:extLst>
           </p:cNvPr>
@@ -11322,7 +10900,7 @@
         </p:blipFill>
         <p:spPr>
           <a:xfrm>
-            <a:off x="1671812" y="4891624"/>
+            <a:off x="1915093" y="5047735"/>
             <a:ext cx="457200" cy="457200"/>
           </a:xfrm>
           <a:prstGeom prst="rect">
@@ -11374,8 +10952,8 @@
         </p:nvSpPr>
         <p:spPr>
           <a:xfrm>
-            <a:off x="6250360" y="3304342"/>
-            <a:ext cx="5488367" cy="2308324"/>
+            <a:off x="6478960" y="2842948"/>
+            <a:ext cx="5488367" cy="3785652"/>
           </a:xfrm>
           <a:prstGeom prst="rect">
             <a:avLst/>
@@ -11398,7 +10976,7 @@
           <a:p>
             <a:r>
               <a:rPr lang="pt-BR" sz="1600" b="1" dirty="0"/>
-              <a:t>Cancelar solicitação de orçamento</a:t>
+              <a:t>Confeccionar orçamento e cobrança</a:t>
             </a:r>
           </a:p>
           <a:p>
@@ -11408,8 +10986,29 @@
             </a:r>
             <a:r>
               <a:rPr lang="pt-BR" sz="1600" dirty="0"/>
-              <a:t>Cliente solicita cancelamento</a:t>
-            </a:r>
+              <a:t>Uma solicitação de orçamento foi atualizada com status de </a:t>
+            </a:r>
+            <a:r>
+              <a:rPr lang="en-US" sz="1600" dirty="0" err="1"/>
+              <a:t>liberado</a:t>
+            </a:r>
+            <a:r>
+              <a:rPr lang="en-US" sz="1600" dirty="0"/>
+              <a:t> para </a:t>
+            </a:r>
+            <a:r>
+              <a:rPr lang="en-US" sz="1600" dirty="0" err="1"/>
+              <a:t>confecção</a:t>
+            </a:r>
+            <a:r>
+              <a:rPr lang="en-US" sz="1600" dirty="0"/>
+              <a:t> de </a:t>
+            </a:r>
+            <a:r>
+              <a:rPr lang="en-US" sz="1600" dirty="0" err="1"/>
+              <a:t>orçamento</a:t>
+            </a:r>
+            <a:endParaRPr lang="en-US" sz="1600" dirty="0"/>
           </a:p>
           <a:p>
             <a:r>
@@ -11418,7 +11017,7 @@
             </a:r>
             <a:r>
               <a:rPr lang="pt-BR" sz="1600" dirty="0"/>
-              <a:t>Interromper processo de solicitação</a:t>
+              <a:t>Confeccionar um orçamento e enviar para o Cliente com a devida cobrança</a:t>
             </a:r>
           </a:p>
           <a:p>
@@ -11428,7 +11027,7 @@
             </a:r>
             <a:r>
               <a:rPr lang="pt-BR" sz="1600" dirty="0"/>
-              <a:t>Gerente administrativo</a:t>
+              <a:t>Administrador</a:t>
             </a:r>
           </a:p>
           <a:p>
@@ -11441,30 +11040,183 @@
             </a:pPr>
             <a:r>
               <a:rPr lang="pt-BR" sz="1600" dirty="0"/>
-              <a:t>Recebe solicitação de cancelamento.</a:t>
-            </a:r>
-          </a:p>
-          <a:p>
-            <a:pPr marL="285750" indent="-285750">
+              <a:t>Verifica se um projeto tem o status </a:t>
+            </a:r>
+            <a:r>
+              <a:rPr lang="en-US" sz="1600" dirty="0" err="1"/>
+              <a:t>liberado</a:t>
+            </a:r>
+            <a:r>
+              <a:rPr lang="en-US" sz="1600" dirty="0"/>
+              <a:t> para </a:t>
+            </a:r>
+            <a:r>
+              <a:rPr lang="en-US" sz="1600" dirty="0" err="1"/>
+              <a:t>confecção</a:t>
+            </a:r>
+            <a:r>
+              <a:rPr lang="en-US" sz="1600" dirty="0"/>
+              <a:t> de </a:t>
+            </a:r>
+            <a:r>
+              <a:rPr lang="en-US" sz="1600" dirty="0" err="1"/>
+              <a:t>orçamento</a:t>
+            </a:r>
+            <a:endParaRPr lang="en-US" sz="1600" dirty="0"/>
+          </a:p>
+          <a:p>
+            <a:pPr marL="742950" lvl="1" indent="-285750">
               <a:buFont typeface="Arial" panose="020B0604020202020204" pitchFamily="34" charset="0"/>
               <a:buChar char="•"/>
             </a:pPr>
             <a:r>
-              <a:rPr lang="pt-BR" sz="1600" dirty="0"/>
-              <a:t>Atualiza o status do orçamento como cancelado, paralisando todo o processo.</a:t>
-            </a:r>
-          </a:p>
-          <a:p>
+              <a:rPr lang="en-US" sz="1600" dirty="0" err="1"/>
+              <a:t>Havendo</a:t>
+            </a:r>
+            <a:r>
+              <a:rPr lang="en-US" sz="1600" dirty="0"/>
+              <a:t>, </a:t>
+            </a:r>
+            <a:r>
+              <a:rPr lang="en-US" sz="1600" dirty="0" err="1"/>
+              <a:t>formaliza</a:t>
+            </a:r>
+            <a:r>
+              <a:rPr lang="en-US" sz="1600" dirty="0"/>
+              <a:t> o </a:t>
+            </a:r>
+            <a:r>
+              <a:rPr lang="en-US" sz="1600" dirty="0" err="1"/>
+              <a:t>orçamento</a:t>
+            </a:r>
+            <a:r>
+              <a:rPr lang="en-US" sz="1600" dirty="0"/>
+              <a:t> e a </a:t>
+            </a:r>
+            <a:r>
+              <a:rPr lang="en-US" sz="1600" dirty="0" err="1"/>
+              <a:t>totalização</a:t>
+            </a:r>
+            <a:r>
+              <a:rPr lang="en-US" sz="1600" dirty="0"/>
+              <a:t> dos custos do </a:t>
+            </a:r>
+            <a:r>
+              <a:rPr lang="en-US" sz="1600" dirty="0" err="1"/>
+              <a:t>serviço</a:t>
+            </a:r>
+            <a:r>
+              <a:rPr lang="en-US" sz="1600" dirty="0"/>
+              <a:t> a ser </a:t>
+            </a:r>
+            <a:r>
+              <a:rPr lang="en-US" sz="1600" dirty="0" err="1"/>
+              <a:t>desenvolvido</a:t>
+            </a:r>
+            <a:endParaRPr lang="en-US" sz="1600" dirty="0"/>
+          </a:p>
+          <a:p>
+            <a:pPr marL="742950" lvl="1" indent="-285750">
+              <a:buFont typeface="Arial" panose="020B0604020202020204" pitchFamily="34" charset="0"/>
+              <a:buChar char="•"/>
+            </a:pPr>
+            <a:r>
+              <a:rPr lang="en-US" sz="1600" dirty="0" err="1"/>
+              <a:t>Envia</a:t>
+            </a:r>
+            <a:r>
+              <a:rPr lang="en-US" sz="1600" dirty="0"/>
+              <a:t> o </a:t>
+            </a:r>
+            <a:r>
+              <a:rPr lang="en-US" sz="1600" dirty="0" err="1"/>
+              <a:t>orçamento</a:t>
+            </a:r>
+            <a:r>
+              <a:rPr lang="en-US" sz="1600" dirty="0"/>
+              <a:t> </a:t>
+            </a:r>
+            <a:r>
+              <a:rPr lang="en-US" sz="1600" dirty="0" err="1"/>
+              <a:t>formalizado</a:t>
+            </a:r>
+            <a:r>
+              <a:rPr lang="en-US" sz="1600" dirty="0"/>
+              <a:t> com </a:t>
+            </a:r>
+            <a:r>
+              <a:rPr lang="en-US" sz="1600" dirty="0" err="1"/>
+              <a:t>sua</a:t>
+            </a:r>
+            <a:r>
+              <a:rPr lang="en-US" sz="1600" dirty="0"/>
+              <a:t> </a:t>
+            </a:r>
+            <a:r>
+              <a:rPr lang="en-US" sz="1600" dirty="0" err="1"/>
+              <a:t>devida</a:t>
+            </a:r>
+            <a:r>
+              <a:rPr lang="en-US" sz="1600" dirty="0"/>
+              <a:t> </a:t>
+            </a:r>
+            <a:r>
+              <a:rPr lang="en-US" sz="1600" dirty="0" err="1"/>
+              <a:t>cobrança</a:t>
+            </a:r>
+            <a:r>
+              <a:rPr lang="en-US" sz="1600" dirty="0"/>
+              <a:t> para o </a:t>
+            </a:r>
+            <a:r>
+              <a:rPr lang="en-US" sz="1600" dirty="0" err="1"/>
+              <a:t>cliente</a:t>
+            </a:r>
+            <a:endParaRPr lang="en-US" sz="1600" dirty="0"/>
+          </a:p>
+          <a:p>
+            <a:pPr marL="742950" lvl="1" indent="-285750">
+              <a:buFont typeface="Arial" panose="020B0604020202020204" pitchFamily="34" charset="0"/>
+              <a:buChar char="•"/>
+            </a:pPr>
+            <a:r>
+              <a:rPr lang="en-US" sz="1600" dirty="0" err="1"/>
+              <a:t>Atualiza</a:t>
+            </a:r>
+            <a:r>
+              <a:rPr lang="en-US" sz="1600" dirty="0"/>
+              <a:t> o status do </a:t>
+            </a:r>
+            <a:r>
+              <a:rPr lang="en-US" sz="1600" dirty="0" err="1"/>
+              <a:t>projeto</a:t>
+            </a:r>
+            <a:r>
+              <a:rPr lang="en-US" sz="1600" dirty="0"/>
+              <a:t> para </a:t>
+            </a:r>
+            <a:r>
+              <a:rPr lang="en-US" sz="1600" dirty="0" err="1"/>
+              <a:t>aguardando</a:t>
+            </a:r>
+            <a:r>
+              <a:rPr lang="en-US" sz="1600" dirty="0"/>
+              <a:t> </a:t>
+            </a:r>
+            <a:r>
+              <a:rPr lang="en-US" sz="1600" dirty="0" err="1"/>
+              <a:t>pagamento</a:t>
+            </a:r>
             <a:endParaRPr lang="en-US" sz="1600" dirty="0"/>
           </a:p>
         </p:txBody>
       </p:sp>
       <p:pic>
         <p:nvPicPr>
-          <p:cNvPr id="2" name="Picture 1">
-            <a:extLst>
-              <a:ext uri="{FF2B5EF4-FFF2-40B4-BE49-F238E27FC236}">
-                <a16:creationId xmlns:a16="http://schemas.microsoft.com/office/drawing/2014/main" id="{C1A83565-E569-485B-ADAF-C32B0F35EDF9}"/>
+          <p:cNvPr id="9" name="Picture 8">
+            <a:extLst>
+              <a:ext uri="{FF2B5EF4-FFF2-40B4-BE49-F238E27FC236}">
+                <a16:creationId xmlns:a16="http://schemas.microsoft.com/office/drawing/2014/main" id="{BBCC0314-A5CD-4C43-B9E9-A3B551BCF276}"/>
               </a:ext>
             </a:extLst>
           </p:cNvPr>
@@ -11481,8 +11233,8 @@
         </p:blipFill>
         <p:spPr>
           <a:xfrm>
-            <a:off x="190581" y="682750"/>
-            <a:ext cx="5905419" cy="5709659"/>
+            <a:off x="58723" y="112499"/>
+            <a:ext cx="6124793" cy="6633002"/>
           </a:xfrm>
           <a:prstGeom prst="rect">
             <a:avLst/>
@@ -11491,10 +11243,10 @@
       </p:pic>
       <p:pic>
         <p:nvPicPr>
-          <p:cNvPr id="6" name="Graphic 5" descr="Target">
-            <a:extLst>
-              <a:ext uri="{FF2B5EF4-FFF2-40B4-BE49-F238E27FC236}">
-                <a16:creationId xmlns:a16="http://schemas.microsoft.com/office/drawing/2014/main" id="{53AD6DDA-DBBE-4300-AA63-37D49C606A90}"/>
+          <p:cNvPr id="10" name="Graphic 9" descr="Target">
+            <a:extLst>
+              <a:ext uri="{FF2B5EF4-FFF2-40B4-BE49-F238E27FC236}">
+                <a16:creationId xmlns:a16="http://schemas.microsoft.com/office/drawing/2014/main" id="{1A3E8736-4FBD-4095-8C79-3F6B779930E0}"/>
               </a:ext>
             </a:extLst>
           </p:cNvPr>
@@ -11520,7 +11272,7 @@
         </p:blipFill>
         <p:spPr>
           <a:xfrm>
-            <a:off x="224673" y="4212283"/>
+            <a:off x="224673" y="3965556"/>
             <a:ext cx="457200" cy="457200"/>
           </a:xfrm>
           <a:prstGeom prst="rect">
@@ -11531,7 +11283,7 @@
     </p:spTree>
     <p:extLst>
       <p:ext uri="{BB962C8B-B14F-4D97-AF65-F5344CB8AC3E}">
-        <p14:creationId xmlns:p14="http://schemas.microsoft.com/office/powerpoint/2010/main" val="1596640138"/>
+        <p14:creationId xmlns:p14="http://schemas.microsoft.com/office/powerpoint/2010/main" val="3294580489"/>
       </p:ext>
     </p:extLst>
   </p:cSld>
@@ -11572,8 +11324,8 @@
         </p:nvSpPr>
         <p:spPr>
           <a:xfrm>
-            <a:off x="6250360" y="3304342"/>
-            <a:ext cx="5488367" cy="2062103"/>
+            <a:off x="6426529" y="4001931"/>
+            <a:ext cx="5488367" cy="2554545"/>
           </a:xfrm>
           <a:prstGeom prst="rect">
             <a:avLst/>
@@ -11596,7 +11348,7 @@
           <a:p>
             <a:r>
               <a:rPr lang="pt-BR" sz="1600" b="1" dirty="0"/>
-              <a:t>Solicitar autorização do início do serviço</a:t>
+              <a:t>Receber pagamento</a:t>
             </a:r>
           </a:p>
           <a:p>
@@ -11606,7 +11358,7 @@
             </a:r>
             <a:r>
               <a:rPr lang="pt-BR" sz="1600" dirty="0"/>
-              <a:t>Pagamento do serviço foi recebido</a:t>
+              <a:t>Orçamento e cobrança foram enviados ao cliente</a:t>
             </a:r>
           </a:p>
           <a:p>
@@ -11616,7 +11368,7 @@
             </a:r>
             <a:r>
               <a:rPr lang="pt-BR" sz="1600" dirty="0"/>
-              <a:t>Obter autorização do Cliente para iniciar a instalação</a:t>
+              <a:t>Receber o pagamento</a:t>
             </a:r>
           </a:p>
           <a:p>
@@ -11626,7 +11378,7 @@
             </a:r>
             <a:r>
               <a:rPr lang="pt-BR" sz="1600" dirty="0"/>
-              <a:t>Auxiliar administrativo</a:t>
+              <a:t>Administrador</a:t>
             </a:r>
           </a:p>
           <a:p>
@@ -11639,20 +11391,47 @@
             </a:pPr>
             <a:r>
               <a:rPr lang="pt-BR" sz="1600" dirty="0"/>
-              <a:t>Envia um pedido de autorização para início do processo de agendamento do serviço.</a:t>
-            </a:r>
-          </a:p>
-          <a:p>
-            <a:endParaRPr lang="en-US" sz="1600" dirty="0"/>
+              <a:t>Recebe o comprovante de pagamento</a:t>
+            </a:r>
+          </a:p>
+          <a:p>
+            <a:pPr marL="285750" indent="-285750">
+              <a:buFont typeface="Arial" panose="020B0604020202020204" pitchFamily="34" charset="0"/>
+              <a:buChar char="•"/>
+            </a:pPr>
+            <a:r>
+              <a:rPr lang="pt-BR" sz="1600" dirty="0"/>
+              <a:t>Verifica se o pagamento é compatível com a cobrança</a:t>
+            </a:r>
+          </a:p>
+          <a:p>
+            <a:pPr marL="742950" lvl="1" indent="-285750">
+              <a:buFont typeface="Arial" panose="020B0604020202020204" pitchFamily="34" charset="0"/>
+              <a:buChar char="•"/>
+            </a:pPr>
+            <a:r>
+              <a:rPr lang="pt-BR" sz="1600" dirty="0"/>
+              <a:t>Caso sim, atualiza status do projeto como pago</a:t>
+            </a:r>
+          </a:p>
+          <a:p>
+            <a:pPr marL="742950" lvl="1" indent="-285750">
+              <a:buFont typeface="Arial" panose="020B0604020202020204" pitchFamily="34" charset="0"/>
+              <a:buChar char="•"/>
+            </a:pPr>
+            <a:r>
+              <a:rPr lang="pt-BR" sz="1600" dirty="0"/>
+              <a:t>Caso não, atualiza o status do projeto como com resquícios a cobrar</a:t>
+            </a:r>
           </a:p>
         </p:txBody>
       </p:sp>
       <p:pic>
         <p:nvPicPr>
-          <p:cNvPr id="2" name="Picture 1">
-            <a:extLst>
-              <a:ext uri="{FF2B5EF4-FFF2-40B4-BE49-F238E27FC236}">
-                <a16:creationId xmlns:a16="http://schemas.microsoft.com/office/drawing/2014/main" id="{C1A83565-E569-485B-ADAF-C32B0F35EDF9}"/>
+          <p:cNvPr id="9" name="Picture 8">
+            <a:extLst>
+              <a:ext uri="{FF2B5EF4-FFF2-40B4-BE49-F238E27FC236}">
+                <a16:creationId xmlns:a16="http://schemas.microsoft.com/office/drawing/2014/main" id="{621F8B23-71C4-49F1-BFB3-B5E59D388EC1}"/>
               </a:ext>
             </a:extLst>
           </p:cNvPr>
@@ -11669,8 +11448,8 @@
         </p:blipFill>
         <p:spPr>
           <a:xfrm>
-            <a:off x="190581" y="682750"/>
-            <a:ext cx="5905419" cy="5709659"/>
+            <a:off x="58723" y="112499"/>
+            <a:ext cx="6124793" cy="6633002"/>
           </a:xfrm>
           <a:prstGeom prst="rect">
             <a:avLst/>
@@ -11679,10 +11458,10 @@
       </p:pic>
       <p:pic>
         <p:nvPicPr>
-          <p:cNvPr id="6" name="Graphic 5" descr="Target">
-            <a:extLst>
-              <a:ext uri="{FF2B5EF4-FFF2-40B4-BE49-F238E27FC236}">
-                <a16:creationId xmlns:a16="http://schemas.microsoft.com/office/drawing/2014/main" id="{53AD6DDA-DBBE-4300-AA63-37D49C606A90}"/>
+          <p:cNvPr id="10" name="Graphic 9" descr="Target">
+            <a:extLst>
+              <a:ext uri="{FF2B5EF4-FFF2-40B4-BE49-F238E27FC236}">
+                <a16:creationId xmlns:a16="http://schemas.microsoft.com/office/drawing/2014/main" id="{2803C2AB-48FA-4AC6-8059-1647313310A1}"/>
               </a:ext>
             </a:extLst>
           </p:cNvPr>
@@ -11708,7 +11487,7 @@
         </p:blipFill>
         <p:spPr>
           <a:xfrm>
-            <a:off x="1755702" y="3983683"/>
+            <a:off x="1940260" y="4106793"/>
             <a:ext cx="457200" cy="457200"/>
           </a:xfrm>
           <a:prstGeom prst="rect">
@@ -11719,7 +11498,7 @@
     </p:spTree>
     <p:extLst>
       <p:ext uri="{BB962C8B-B14F-4D97-AF65-F5344CB8AC3E}">
-        <p14:creationId xmlns:p14="http://schemas.microsoft.com/office/powerpoint/2010/main" val="3394690735"/>
+        <p14:creationId xmlns:p14="http://schemas.microsoft.com/office/powerpoint/2010/main" val="1273895138"/>
       </p:ext>
     </p:extLst>
   </p:cSld>
@@ -11760,8 +11539,8 @@
         </p:nvSpPr>
         <p:spPr>
           <a:xfrm>
-            <a:off x="6250360" y="3304342"/>
-            <a:ext cx="5488367" cy="2062103"/>
+            <a:off x="6426529" y="4319410"/>
+            <a:ext cx="5488367" cy="2308324"/>
           </a:xfrm>
           <a:prstGeom prst="rect">
             <a:avLst/>
@@ -11784,7 +11563,7 @@
           <a:p>
             <a:r>
               <a:rPr lang="pt-BR" sz="1600" b="1" dirty="0"/>
-              <a:t>Receber pagamento</a:t>
+              <a:t>Solicitar autorização do início do serviço</a:t>
             </a:r>
           </a:p>
           <a:p>
@@ -11794,7 +11573,7 @@
             </a:r>
             <a:r>
               <a:rPr lang="pt-BR" sz="1600" dirty="0"/>
-              <a:t>Orçamento e cobrança foram enviados ao cliente</a:t>
+              <a:t>Pagamento do serviço foi recebido</a:t>
             </a:r>
           </a:p>
           <a:p>
@@ -11804,7 +11583,7 @@
             </a:r>
             <a:r>
               <a:rPr lang="pt-BR" sz="1600" dirty="0"/>
-              <a:t>Receber o comprovante de pagamento</a:t>
+              <a:t>Obter autorização do Cliente para iniciar a instalação</a:t>
             </a:r>
           </a:p>
           <a:p>
@@ -11814,7 +11593,7 @@
             </a:r>
             <a:r>
               <a:rPr lang="pt-BR" sz="1600" dirty="0"/>
-              <a:t>Gerente financeiro</a:t>
+              <a:t>Administrador</a:t>
             </a:r>
           </a:p>
           <a:p>
@@ -11827,30 +11606,28 @@
             </a:pPr>
             <a:r>
               <a:rPr lang="pt-BR" sz="1600" dirty="0"/>
-              <a:t>Recebe o comprovante de pagamento.</a:t>
-            </a:r>
-          </a:p>
-          <a:p>
-            <a:pPr marL="285750" indent="-285750">
+              <a:t>Verifica se há um projeto com status como pago e sem autorização para início do serviço</a:t>
+            </a:r>
+          </a:p>
+          <a:p>
+            <a:pPr marL="742950" lvl="1" indent="-285750">
               <a:buFont typeface="Arial" panose="020B0604020202020204" pitchFamily="34" charset="0"/>
               <a:buChar char="•"/>
             </a:pPr>
             <a:r>
               <a:rPr lang="pt-BR" sz="1600" dirty="0"/>
-              <a:t>Atualiza o status do orçamento para pago.</a:t>
-            </a:r>
-          </a:p>
-          <a:p>
+              <a:t>Havendo, envia um pedido de autorização para início do processo de agendamento do serviço.</a:t>
+            </a:r>
             <a:endParaRPr lang="en-US" sz="1600" dirty="0"/>
           </a:p>
         </p:txBody>
       </p:sp>
       <p:pic>
         <p:nvPicPr>
-          <p:cNvPr id="2" name="Picture 1">
-            <a:extLst>
-              <a:ext uri="{FF2B5EF4-FFF2-40B4-BE49-F238E27FC236}">
-                <a16:creationId xmlns:a16="http://schemas.microsoft.com/office/drawing/2014/main" id="{C1A83565-E569-485B-ADAF-C32B0F35EDF9}"/>
+          <p:cNvPr id="9" name="Picture 8">
+            <a:extLst>
+              <a:ext uri="{FF2B5EF4-FFF2-40B4-BE49-F238E27FC236}">
+                <a16:creationId xmlns:a16="http://schemas.microsoft.com/office/drawing/2014/main" id="{112D3CDC-C6E6-4A71-AED5-39E342DF6985}"/>
               </a:ext>
             </a:extLst>
           </p:cNvPr>
@@ -11867,8 +11644,8 @@
         </p:blipFill>
         <p:spPr>
           <a:xfrm>
-            <a:off x="190581" y="682750"/>
-            <a:ext cx="5905419" cy="5709659"/>
+            <a:off x="58723" y="112499"/>
+            <a:ext cx="6124793" cy="6633002"/>
           </a:xfrm>
           <a:prstGeom prst="rect">
             <a:avLst/>
@@ -11877,10 +11654,10 @@
       </p:pic>
       <p:pic>
         <p:nvPicPr>
-          <p:cNvPr id="6" name="Graphic 5" descr="Target">
-            <a:extLst>
-              <a:ext uri="{FF2B5EF4-FFF2-40B4-BE49-F238E27FC236}">
-                <a16:creationId xmlns:a16="http://schemas.microsoft.com/office/drawing/2014/main" id="{53AD6DDA-DBBE-4300-AA63-37D49C606A90}"/>
+          <p:cNvPr id="10" name="Graphic 9" descr="Target">
+            <a:extLst>
+              <a:ext uri="{FF2B5EF4-FFF2-40B4-BE49-F238E27FC236}">
+                <a16:creationId xmlns:a16="http://schemas.microsoft.com/office/drawing/2014/main" id="{9DFE1BEB-5132-40CB-A08F-B1C6688B1BA8}"/>
               </a:ext>
             </a:extLst>
           </p:cNvPr>
@@ -11906,7 +11683,7 @@
         </p:blipFill>
         <p:spPr>
           <a:xfrm>
-            <a:off x="3039218" y="4133336"/>
+            <a:off x="2577823" y="4024279"/>
             <a:ext cx="457200" cy="457200"/>
           </a:xfrm>
           <a:prstGeom prst="rect">
@@ -11917,7 +11694,7 @@
     </p:spTree>
     <p:extLst>
       <p:ext uri="{BB962C8B-B14F-4D97-AF65-F5344CB8AC3E}">
-        <p14:creationId xmlns:p14="http://schemas.microsoft.com/office/powerpoint/2010/main" val="1273895138"/>
+        <p14:creationId xmlns:p14="http://schemas.microsoft.com/office/powerpoint/2010/main" val="3394690735"/>
       </p:ext>
     </p:extLst>
   </p:cSld>
@@ -11958,8 +11735,8 @@
         </p:nvSpPr>
         <p:spPr>
           <a:xfrm>
-            <a:off x="6250360" y="3304342"/>
-            <a:ext cx="5488367" cy="2800767"/>
+            <a:off x="6401361" y="4066224"/>
+            <a:ext cx="5488367" cy="2554545"/>
           </a:xfrm>
           <a:prstGeom prst="rect">
             <a:avLst/>
@@ -11981,22 +11758,18 @@
           <a:lstStyle/>
           <a:p>
             <a:r>
-              <a:rPr lang="pt-BR" sz="1600" b="1" dirty="0" err="1"/>
-              <a:t>Comfeccionar</a:t>
-            </a:r>
-            <a:r>
-              <a:rPr lang="pt-BR" sz="1600" b="1" dirty="0"/>
-              <a:t> orçamento e cobrança</a:t>
-            </a:r>
-          </a:p>
-          <a:p>
-            <a:r>
-              <a:rPr lang="pt-BR" sz="1600" b="1" dirty="0"/>
-              <a:t>Evento: </a:t>
-            </a:r>
-            <a:r>
-              <a:rPr lang="pt-BR" sz="1600" dirty="0"/>
-              <a:t>Uma solicitação de orçamento foi atualizada com status de completa </a:t>
+              <a:rPr lang="pt-BR" sz="1600" b="1" dirty="0"/>
+              <a:t>Cobrar solicitação de pagamento</a:t>
+            </a:r>
+          </a:p>
+          <a:p>
+            <a:r>
+              <a:rPr lang="pt-BR" sz="1600" b="1" dirty="0"/>
+              <a:t>Não-Evento: </a:t>
+            </a:r>
+            <a:r>
+              <a:rPr lang="pt-BR" sz="1600" dirty="0"/>
+              <a:t>Receber pagamento</a:t>
             </a:r>
           </a:p>
           <a:p>
@@ -12006,7 +11779,7 @@
             </a:r>
             <a:r>
               <a:rPr lang="pt-BR" sz="1600" dirty="0"/>
-              <a:t>Confeccionar um orçamento e enviar para o Cliente com a devida cobrança</a:t>
+              <a:t>Obter o pagamento</a:t>
             </a:r>
           </a:p>
           <a:p>
@@ -12016,7 +11789,7 @@
             </a:r>
             <a:r>
               <a:rPr lang="pt-BR" sz="1600" dirty="0"/>
-              <a:t>Auxiliar financeiro</a:t>
+              <a:t>Administrador</a:t>
             </a:r>
           </a:p>
           <a:p>
@@ -12029,37 +11802,38 @@
             </a:pPr>
             <a:r>
               <a:rPr lang="pt-BR" sz="1600" dirty="0"/>
-              <a:t>Obtém dados e confecciona orçamento e cobrança.</a:t>
-            </a:r>
-          </a:p>
-          <a:p>
-            <a:pPr marL="285750" indent="-285750">
+              <a:t>Verifica se existe um projeto com status aguardando pagamento e vencida ou com resquícios a cobrar</a:t>
+            </a:r>
+          </a:p>
+          <a:p>
+            <a:pPr marL="742950" lvl="1" indent="-285750">
               <a:buFont typeface="Arial" panose="020B0604020202020204" pitchFamily="34" charset="0"/>
               <a:buChar char="•"/>
             </a:pPr>
             <a:r>
               <a:rPr lang="pt-BR" sz="1600" dirty="0"/>
-              <a:t>Envia estes documentos ao Cliente.</a:t>
-            </a:r>
-          </a:p>
-          <a:p>
-            <a:pPr marL="285750" indent="-285750">
+              <a:t>Havendo, confecciona uma nova cobrança e a envia ao cliente</a:t>
+            </a:r>
+          </a:p>
+          <a:p>
+            <a:pPr marL="742950" lvl="1" indent="-285750">
               <a:buFont typeface="Arial" panose="020B0604020202020204" pitchFamily="34" charset="0"/>
               <a:buChar char="•"/>
             </a:pPr>
-            <a:endParaRPr lang="pt-BR" sz="1600" dirty="0"/>
-          </a:p>
-          <a:p>
+            <a:r>
+              <a:rPr lang="pt-BR" sz="1600" dirty="0"/>
+              <a:t>Atualiza a data de vencimento da cobrança</a:t>
+            </a:r>
             <a:endParaRPr lang="en-US" sz="1600" dirty="0"/>
           </a:p>
         </p:txBody>
       </p:sp>
       <p:pic>
         <p:nvPicPr>
-          <p:cNvPr id="2" name="Picture 1">
-            <a:extLst>
-              <a:ext uri="{FF2B5EF4-FFF2-40B4-BE49-F238E27FC236}">
-                <a16:creationId xmlns:a16="http://schemas.microsoft.com/office/drawing/2014/main" id="{C1A83565-E569-485B-ADAF-C32B0F35EDF9}"/>
+          <p:cNvPr id="9" name="Picture 8">
+            <a:extLst>
+              <a:ext uri="{FF2B5EF4-FFF2-40B4-BE49-F238E27FC236}">
+                <a16:creationId xmlns:a16="http://schemas.microsoft.com/office/drawing/2014/main" id="{3511C085-62BD-4444-BB04-246AF68096F3}"/>
               </a:ext>
             </a:extLst>
           </p:cNvPr>
@@ -12076,8 +11850,8 @@
         </p:blipFill>
         <p:spPr>
           <a:xfrm>
-            <a:off x="190581" y="682750"/>
-            <a:ext cx="5905419" cy="5709659"/>
+            <a:off x="58723" y="112499"/>
+            <a:ext cx="6124793" cy="6633002"/>
           </a:xfrm>
           <a:prstGeom prst="rect">
             <a:avLst/>
@@ -12086,10 +11860,10 @@
       </p:pic>
       <p:pic>
         <p:nvPicPr>
-          <p:cNvPr id="6" name="Graphic 5" descr="Target">
-            <a:extLst>
-              <a:ext uri="{FF2B5EF4-FFF2-40B4-BE49-F238E27FC236}">
-                <a16:creationId xmlns:a16="http://schemas.microsoft.com/office/drawing/2014/main" id="{53AD6DDA-DBBE-4300-AA63-37D49C606A90}"/>
+          <p:cNvPr id="10" name="Graphic 9" descr="Target">
+            <a:extLst>
+              <a:ext uri="{FF2B5EF4-FFF2-40B4-BE49-F238E27FC236}">
+                <a16:creationId xmlns:a16="http://schemas.microsoft.com/office/drawing/2014/main" id="{A94D1258-3521-435F-9016-FA11A0895EE9}"/>
               </a:ext>
             </a:extLst>
           </p:cNvPr>
@@ -12115,7 +11889,7 @@
         </p:blipFill>
         <p:spPr>
           <a:xfrm>
-            <a:off x="4071064" y="4891624"/>
+            <a:off x="3760671" y="4066224"/>
             <a:ext cx="457200" cy="457200"/>
           </a:xfrm>
           <a:prstGeom prst="rect">
@@ -12126,7 +11900,7 @@
     </p:spTree>
     <p:extLst>
       <p:ext uri="{BB962C8B-B14F-4D97-AF65-F5344CB8AC3E}">
-        <p14:creationId xmlns:p14="http://schemas.microsoft.com/office/powerpoint/2010/main" val="3294580489"/>
+        <p14:creationId xmlns:p14="http://schemas.microsoft.com/office/powerpoint/2010/main" val="1707677298"/>
       </p:ext>
     </p:extLst>
   </p:cSld>
@@ -12167,8 +11941,8 @@
         </p:nvSpPr>
         <p:spPr>
           <a:xfrm>
-            <a:off x="6250360" y="3304342"/>
-            <a:ext cx="5488367" cy="1815882"/>
+            <a:off x="6409751" y="4397589"/>
+            <a:ext cx="5488367" cy="2062103"/>
           </a:xfrm>
           <a:prstGeom prst="rect">
             <a:avLst/>
@@ -12191,17 +11965,17 @@
           <a:p>
             <a:r>
               <a:rPr lang="pt-BR" sz="1600" b="1" dirty="0"/>
-              <a:t>Cobrar solicitação de pagamento</a:t>
-            </a:r>
-          </a:p>
-          <a:p>
-            <a:r>
-              <a:rPr lang="pt-BR" sz="1600" b="1" dirty="0"/>
-              <a:t>Não-Evento: </a:t>
-            </a:r>
-            <a:r>
-              <a:rPr lang="pt-BR" sz="1600" dirty="0"/>
-              <a:t>Receber pagamento</a:t>
+              <a:t>Cancelar solicitação de orçamento</a:t>
+            </a:r>
+          </a:p>
+          <a:p>
+            <a:r>
+              <a:rPr lang="pt-BR" sz="1600" b="1" dirty="0"/>
+              <a:t>Evento: </a:t>
+            </a:r>
+            <a:r>
+              <a:rPr lang="pt-BR" sz="1600" dirty="0"/>
+              <a:t>Cliente solicita cancelamento</a:t>
             </a:r>
           </a:p>
           <a:p>
@@ -12211,7 +11985,7 @@
             </a:r>
             <a:r>
               <a:rPr lang="pt-BR" sz="1600" dirty="0"/>
-              <a:t>Obter comprovante de pagamento</a:t>
+              <a:t>Interromper processo de solicitação</a:t>
             </a:r>
           </a:p>
           <a:p>
@@ -12221,7 +11995,7 @@
             </a:r>
             <a:r>
               <a:rPr lang="pt-BR" sz="1600" dirty="0"/>
-              <a:t>Auxiliar financeiro</a:t>
+              <a:t>Administrador</a:t>
             </a:r>
           </a:p>
           <a:p>
@@ -12234,20 +12008,28 @@
             </a:pPr>
             <a:r>
               <a:rPr lang="pt-BR" sz="1600" dirty="0"/>
-              <a:t>Cobra do Cliente o comprovante de pagamento do serviço.</a:t>
-            </a:r>
-          </a:p>
-          <a:p>
+              <a:t>Recebe do cliente uma solicitação de cancelamento</a:t>
+            </a:r>
+          </a:p>
+          <a:p>
+            <a:pPr marL="742950" lvl="1" indent="-285750">
+              <a:buFont typeface="Arial" panose="020B0604020202020204" pitchFamily="34" charset="0"/>
+              <a:buChar char="•"/>
+            </a:pPr>
+            <a:r>
+              <a:rPr lang="pt-BR" sz="1600" dirty="0"/>
+              <a:t>Atualiza o status do projeto como cancelado, paralisando todo o processo</a:t>
+            </a:r>
             <a:endParaRPr lang="en-US" sz="1600" dirty="0"/>
           </a:p>
         </p:txBody>
       </p:sp>
       <p:pic>
         <p:nvPicPr>
-          <p:cNvPr id="2" name="Picture 1">
-            <a:extLst>
-              <a:ext uri="{FF2B5EF4-FFF2-40B4-BE49-F238E27FC236}">
-                <a16:creationId xmlns:a16="http://schemas.microsoft.com/office/drawing/2014/main" id="{C1A83565-E569-485B-ADAF-C32B0F35EDF9}"/>
+          <p:cNvPr id="9" name="Picture 8">
+            <a:extLst>
+              <a:ext uri="{FF2B5EF4-FFF2-40B4-BE49-F238E27FC236}">
+                <a16:creationId xmlns:a16="http://schemas.microsoft.com/office/drawing/2014/main" id="{1F68DF75-CF0E-4386-AF1A-607E201BD04B}"/>
               </a:ext>
             </a:extLst>
           </p:cNvPr>
@@ -12264,8 +12046,8 @@
         </p:blipFill>
         <p:spPr>
           <a:xfrm>
-            <a:off x="190581" y="682750"/>
-            <a:ext cx="5905419" cy="5709659"/>
+            <a:off x="58723" y="112499"/>
+            <a:ext cx="6124793" cy="6633002"/>
           </a:xfrm>
           <a:prstGeom prst="rect">
             <a:avLst/>
@@ -12274,10 +12056,10 @@
       </p:pic>
       <p:pic>
         <p:nvPicPr>
-          <p:cNvPr id="6" name="Graphic 5" descr="Target">
-            <a:extLst>
-              <a:ext uri="{FF2B5EF4-FFF2-40B4-BE49-F238E27FC236}">
-                <a16:creationId xmlns:a16="http://schemas.microsoft.com/office/drawing/2014/main" id="{53AD6DDA-DBBE-4300-AA63-37D49C606A90}"/>
+          <p:cNvPr id="10" name="Graphic 9" descr="Target">
+            <a:extLst>
+              <a:ext uri="{FF2B5EF4-FFF2-40B4-BE49-F238E27FC236}">
+                <a16:creationId xmlns:a16="http://schemas.microsoft.com/office/drawing/2014/main" id="{1F89AEB1-5857-4532-810B-A009526D7606}"/>
               </a:ext>
             </a:extLst>
           </p:cNvPr>
@@ -12303,7 +12085,7 @@
         </p:blipFill>
         <p:spPr>
           <a:xfrm>
-            <a:off x="5354579" y="4804455"/>
+            <a:off x="5379746" y="3940389"/>
             <a:ext cx="457200" cy="457200"/>
           </a:xfrm>
           <a:prstGeom prst="rect">
@@ -12314,7 +12096,7 @@
     </p:spTree>
     <p:extLst>
       <p:ext uri="{BB962C8B-B14F-4D97-AF65-F5344CB8AC3E}">
-        <p14:creationId xmlns:p14="http://schemas.microsoft.com/office/powerpoint/2010/main" val="1707677298"/>
+        <p14:creationId xmlns:p14="http://schemas.microsoft.com/office/powerpoint/2010/main" val="1596640138"/>
       </p:ext>
     </p:extLst>
   </p:cSld>
